--- a/pptx/20100127~発表資料1.pptx
+++ b/pptx/20100127~発表資料1.pptx
@@ -5,7 +5,7 @@
     <p:sldMasterId id="2147483672" r:id="rId1"/>
   </p:sldMasterIdLst>
   <p:notesMasterIdLst>
-    <p:notesMasterId r:id="rId36"/>
+    <p:notesMasterId r:id="rId37"/>
   </p:notesMasterIdLst>
   <p:sldIdLst>
     <p:sldId id="256" r:id="rId2"/>
@@ -21,9 +21,9 @@
     <p:sldId id="286" r:id="rId12"/>
     <p:sldId id="289" r:id="rId13"/>
     <p:sldId id="290" r:id="rId14"/>
-    <p:sldId id="264" r:id="rId15"/>
-    <p:sldId id="266" r:id="rId16"/>
-    <p:sldId id="287" r:id="rId17"/>
+    <p:sldId id="266" r:id="rId15"/>
+    <p:sldId id="287" r:id="rId16"/>
+    <p:sldId id="264" r:id="rId17"/>
     <p:sldId id="267" r:id="rId18"/>
     <p:sldId id="269" r:id="rId19"/>
     <p:sldId id="271" r:id="rId20"/>
@@ -32,16 +32,17 @@
     <p:sldId id="272" r:id="rId23"/>
     <p:sldId id="270" r:id="rId24"/>
     <p:sldId id="276" r:id="rId25"/>
-    <p:sldId id="278" r:id="rId26"/>
-    <p:sldId id="279" r:id="rId27"/>
-    <p:sldId id="280" r:id="rId28"/>
-    <p:sldId id="277" r:id="rId29"/>
-    <p:sldId id="281" r:id="rId30"/>
-    <p:sldId id="282" r:id="rId31"/>
-    <p:sldId id="283" r:id="rId32"/>
-    <p:sldId id="284" r:id="rId33"/>
-    <p:sldId id="265" r:id="rId34"/>
-    <p:sldId id="285" r:id="rId35"/>
+    <p:sldId id="291" r:id="rId26"/>
+    <p:sldId id="278" r:id="rId27"/>
+    <p:sldId id="279" r:id="rId28"/>
+    <p:sldId id="280" r:id="rId29"/>
+    <p:sldId id="277" r:id="rId30"/>
+    <p:sldId id="281" r:id="rId31"/>
+    <p:sldId id="282" r:id="rId32"/>
+    <p:sldId id="283" r:id="rId33"/>
+    <p:sldId id="284" r:id="rId34"/>
+    <p:sldId id="265" r:id="rId35"/>
+    <p:sldId id="285" r:id="rId36"/>
   </p:sldIdLst>
   <p:sldSz cx="9144000" cy="6858000" type="screen4x3"/>
   <p:notesSz cx="6858000" cy="9144000"/>
@@ -226,7 +227,7 @@
             <a:fld id="{9C56AC0C-4515-4911-B9AC-283626B9D7E7}" type="datetimeFigureOut">
               <a:rPr kumimoji="1" lang="ja-JP" altLang="en-US" smtClean="0"/>
               <a:pPr/>
-              <a:t>2010/1/28</a:t>
+              <a:t>2010/2/5</a:t>
             </a:fld>
             <a:endParaRPr kumimoji="1" lang="ja-JP" altLang="en-US"/>
           </a:p>
@@ -2807,6 +2808,88 @@
               <a:rPr kumimoji="1" lang="ja-JP" altLang="en-US" smtClean="0"/>
               <a:pPr/>
               <a:t>34</a:t>
+            </a:fld>
+            <a:endParaRPr kumimoji="1" lang="ja-JP" altLang="en-US"/>
+          </a:p>
+        </p:txBody>
+      </p:sp>
+    </p:spTree>
+  </p:cSld>
+  <p:clrMapOvr>
+    <a:masterClrMapping/>
+  </p:clrMapOvr>
+</p:notes>
+</file>
+
+<file path=ppt/notesSlides/notesSlide35.xml><?xml version="1.0" encoding="utf-8"?>
+<p:notes xmlns:a="http://schemas.openxmlformats.org/drawingml/2006/main" xmlns:r="http://schemas.openxmlformats.org/officeDocument/2006/relationships" xmlns:p="http://schemas.openxmlformats.org/presentationml/2006/main">
+  <p:cSld>
+    <p:spTree>
+      <p:nvGrpSpPr>
+        <p:cNvPr id="1" name=""/>
+        <p:cNvGrpSpPr/>
+        <p:nvPr/>
+      </p:nvGrpSpPr>
+      <p:grpSpPr>
+        <a:xfrm>
+          <a:off x="0" y="0"/>
+          <a:ext cx="0" cy="0"/>
+          <a:chOff x="0" y="0"/>
+          <a:chExt cx="0" cy="0"/>
+        </a:xfrm>
+      </p:grpSpPr>
+      <p:sp>
+        <p:nvSpPr>
+          <p:cNvPr id="2" name="スライド イメージ プレースホルダ 1"/>
+          <p:cNvSpPr>
+            <a:spLocks noGrp="1" noRot="1" noChangeAspect="1"/>
+          </p:cNvSpPr>
+          <p:nvPr>
+            <p:ph type="sldImg"/>
+          </p:nvPr>
+        </p:nvSpPr>
+        <p:spPr/>
+      </p:sp>
+      <p:sp>
+        <p:nvSpPr>
+          <p:cNvPr id="3" name="ノート プレースホルダ 2"/>
+          <p:cNvSpPr>
+            <a:spLocks noGrp="1"/>
+          </p:cNvSpPr>
+          <p:nvPr>
+            <p:ph type="body" idx="1"/>
+          </p:nvPr>
+        </p:nvSpPr>
+        <p:spPr/>
+        <p:txBody>
+          <a:bodyPr>
+            <a:normAutofit/>
+          </a:bodyPr>
+          <a:lstStyle/>
+          <a:p>
+            <a:endParaRPr kumimoji="1" lang="ja-JP" altLang="en-US"/>
+          </a:p>
+        </p:txBody>
+      </p:sp>
+      <p:sp>
+        <p:nvSpPr>
+          <p:cNvPr id="4" name="スライド番号プレースホルダ 3"/>
+          <p:cNvSpPr>
+            <a:spLocks noGrp="1"/>
+          </p:cNvSpPr>
+          <p:nvPr>
+            <p:ph type="sldNum" sz="quarter" idx="10"/>
+          </p:nvPr>
+        </p:nvSpPr>
+        <p:spPr/>
+        <p:txBody>
+          <a:bodyPr/>
+          <a:lstStyle/>
+          <a:p>
+            <a:fld id="{3D4C9391-02AE-4214-851D-56E87B5BE63A}" type="slidenum">
+              <a:rPr kumimoji="1" lang="ja-JP" altLang="en-US" smtClean="0"/>
+              <a:pPr/>
+              <a:t>35</a:t>
             </a:fld>
             <a:endParaRPr kumimoji="1" lang="ja-JP" altLang="en-US"/>
           </a:p>
@@ -3816,7 +3899,7 @@
             <a:fld id="{C84F2E02-C1A2-4055-9A23-CDE24FD86D4A}" type="datetimeFigureOut">
               <a:rPr kumimoji="1" lang="ja-JP" altLang="en-US" smtClean="0"/>
               <a:pPr/>
-              <a:t>2010/1/28</a:t>
+              <a:t>2010/2/5</a:t>
             </a:fld>
             <a:endParaRPr kumimoji="1" lang="ja-JP" altLang="en-US"/>
           </a:p>
@@ -4176,7 +4259,7 @@
             <a:fld id="{C84F2E02-C1A2-4055-9A23-CDE24FD86D4A}" type="datetimeFigureOut">
               <a:rPr kumimoji="1" lang="ja-JP" altLang="en-US" smtClean="0"/>
               <a:pPr/>
-              <a:t>2010/1/28</a:t>
+              <a:t>2010/2/5</a:t>
             </a:fld>
             <a:endParaRPr kumimoji="1" lang="ja-JP" altLang="en-US"/>
           </a:p>
@@ -4397,7 +4480,7 @@
             <a:fld id="{C84F2E02-C1A2-4055-9A23-CDE24FD86D4A}" type="datetimeFigureOut">
               <a:rPr kumimoji="1" lang="ja-JP" altLang="en-US" smtClean="0"/>
               <a:pPr/>
-              <a:t>2010/1/28</a:t>
+              <a:t>2010/2/5</a:t>
             </a:fld>
             <a:endParaRPr kumimoji="1" lang="ja-JP" altLang="en-US"/>
           </a:p>
@@ -4608,7 +4691,7 @@
             <a:fld id="{C84F2E02-C1A2-4055-9A23-CDE24FD86D4A}" type="datetimeFigureOut">
               <a:rPr kumimoji="1" lang="ja-JP" altLang="en-US" smtClean="0"/>
               <a:pPr/>
-              <a:t>2010/1/28</a:t>
+              <a:t>2010/2/5</a:t>
             </a:fld>
             <a:endParaRPr kumimoji="1" lang="ja-JP" altLang="en-US"/>
           </a:p>
@@ -4809,7 +4892,7 @@
             <a:fld id="{C84F2E02-C1A2-4055-9A23-CDE24FD86D4A}" type="datetimeFigureOut">
               <a:rPr kumimoji="1" lang="ja-JP" altLang="en-US" smtClean="0"/>
               <a:pPr/>
-              <a:t>2010/1/28</a:t>
+              <a:t>2010/2/5</a:t>
             </a:fld>
             <a:endParaRPr kumimoji="1" lang="ja-JP" altLang="en-US"/>
           </a:p>
@@ -5170,7 +5253,7 @@
             <a:fld id="{C84F2E02-C1A2-4055-9A23-CDE24FD86D4A}" type="datetimeFigureOut">
               <a:rPr kumimoji="1" lang="ja-JP" altLang="en-US" smtClean="0"/>
               <a:pPr/>
-              <a:t>2010/1/28</a:t>
+              <a:t>2010/2/5</a:t>
             </a:fld>
             <a:endParaRPr kumimoji="1" lang="ja-JP" altLang="en-US"/>
           </a:p>
@@ -5670,7 +5753,7 @@
             <a:fld id="{C84F2E02-C1A2-4055-9A23-CDE24FD86D4A}" type="datetimeFigureOut">
               <a:rPr kumimoji="1" lang="ja-JP" altLang="en-US" smtClean="0"/>
               <a:pPr/>
-              <a:t>2010/1/28</a:t>
+              <a:t>2010/2/5</a:t>
             </a:fld>
             <a:endParaRPr kumimoji="1" lang="ja-JP" altLang="en-US"/>
           </a:p>
@@ -5797,7 +5880,7 @@
             <a:fld id="{C84F2E02-C1A2-4055-9A23-CDE24FD86D4A}" type="datetimeFigureOut">
               <a:rPr kumimoji="1" lang="ja-JP" altLang="en-US" smtClean="0"/>
               <a:pPr/>
-              <a:t>2010/1/28</a:t>
+              <a:t>2010/2/5</a:t>
             </a:fld>
             <a:endParaRPr kumimoji="1" lang="ja-JP" altLang="en-US"/>
           </a:p>
@@ -5901,7 +5984,7 @@
             <a:fld id="{C84F2E02-C1A2-4055-9A23-CDE24FD86D4A}" type="datetimeFigureOut">
               <a:rPr kumimoji="1" lang="ja-JP" altLang="en-US" smtClean="0"/>
               <a:pPr/>
-              <a:t>2010/1/28</a:t>
+              <a:t>2010/2/5</a:t>
             </a:fld>
             <a:endParaRPr kumimoji="1" lang="ja-JP" altLang="en-US"/>
           </a:p>
@@ -6219,7 +6302,7 @@
             <a:fld id="{C84F2E02-C1A2-4055-9A23-CDE24FD86D4A}" type="datetimeFigureOut">
               <a:rPr kumimoji="1" lang="ja-JP" altLang="en-US" smtClean="0"/>
               <a:pPr/>
-              <a:t>2010/1/28</a:t>
+              <a:t>2010/2/5</a:t>
             </a:fld>
             <a:endParaRPr kumimoji="1" lang="ja-JP" altLang="en-US"/>
           </a:p>
@@ -6485,7 +6568,7 @@
             <a:fld id="{C84F2E02-C1A2-4055-9A23-CDE24FD86D4A}" type="datetimeFigureOut">
               <a:rPr kumimoji="1" lang="ja-JP" altLang="en-US" smtClean="0"/>
               <a:pPr/>
-              <a:t>2010/1/28</a:t>
+              <a:t>2010/2/5</a:t>
             </a:fld>
             <a:endParaRPr kumimoji="1" lang="ja-JP" altLang="en-US"/>
           </a:p>
@@ -6877,7 +6960,7 @@
             <a:fld id="{C84F2E02-C1A2-4055-9A23-CDE24FD86D4A}" type="datetimeFigureOut">
               <a:rPr kumimoji="1" lang="ja-JP" altLang="en-US" smtClean="0"/>
               <a:pPr/>
-              <a:t>2010/1/28</a:t>
+              <a:t>2010/2/5</a:t>
             </a:fld>
             <a:endParaRPr kumimoji="1" lang="ja-JP" altLang="en-US"/>
           </a:p>
@@ -8088,11 +8171,7 @@
           <a:p>
             <a:r>
               <a:rPr kumimoji="1" lang="ja-JP" altLang="en-US" sz="3200" dirty="0" smtClean="0"/>
-              <a:t>この</a:t>
-            </a:r>
-            <a:r>
-              <a:rPr kumimoji="1" lang="ja-JP" altLang="en-US" sz="3200" dirty="0" smtClean="0"/>
-              <a:t>システムを改良し問題の自動生成を行う</a:t>
+              <a:t>このシステムを改良し問題の自動生成を行う</a:t>
             </a:r>
             <a:endParaRPr kumimoji="1" lang="ja-JP" altLang="en-US" sz="3200" dirty="0"/>
           </a:p>
@@ -8207,23 +8286,7 @@
             </a:pPr>
             <a:r>
               <a:rPr lang="ja-JP" altLang="en-US" dirty="0" smtClean="0"/>
-              <a:t>問題作成時に「</a:t>
-            </a:r>
-            <a:r>
-              <a:rPr lang="ja-JP" altLang="en-US" dirty="0" smtClean="0"/>
-              <a:t>どの節を基準に，どの節，あるいは部分木を操作するか</a:t>
-            </a:r>
-            <a:r>
-              <a:rPr lang="ja-JP" altLang="en-US" dirty="0" smtClean="0"/>
-              <a:t>」と</a:t>
-            </a:r>
-            <a:r>
-              <a:rPr lang="ja-JP" altLang="en-US" dirty="0" smtClean="0"/>
-              <a:t>いうパターンを</a:t>
-            </a:r>
-            <a:r>
-              <a:rPr lang="ja-JP" altLang="en-US" dirty="0" smtClean="0"/>
-              <a:t>指す</a:t>
+              <a:t>問題作成時に「どの節を基準に，どの節，あるいは部分木を操作するか」というパターンを指す</a:t>
             </a:r>
             <a:endParaRPr lang="en-US" altLang="ja-JP" dirty="0" smtClean="0"/>
           </a:p>
@@ -8280,11 +8343,7 @@
             </a:r>
             <a:r>
               <a:rPr lang="ja-JP" altLang="en-US" sz="2400" dirty="0" smtClean="0"/>
-              <a:t>以下の部分木すべて</a:t>
-            </a:r>
-            <a:r>
-              <a:rPr lang="ja-JP" altLang="en-US" sz="2400" dirty="0" smtClean="0"/>
-              <a:t>」</a:t>
+              <a:t>以下の部分木すべて」</a:t>
             </a:r>
             <a:r>
               <a:rPr lang="en-US" altLang="ja-JP" sz="2400" dirty="0" smtClean="0"/>
@@ -8401,185 +8460,55 @@
             <p:ph idx="1"/>
           </p:nvPr>
         </p:nvSpPr>
-        <p:spPr/>
-        <p:txBody>
-          <a:bodyPr/>
-          <a:lstStyle/>
-          <a:p>
-            <a:r>
-              <a:rPr kumimoji="1" lang="ja-JP" altLang="en-US" sz="3200" dirty="0" smtClean="0"/>
-              <a:t>手軽に問題を作ることを目的としているが</a:t>
-            </a:r>
-            <a:endParaRPr kumimoji="1" lang="en-US" altLang="ja-JP" sz="3200" dirty="0" smtClean="0"/>
-          </a:p>
-          <a:p>
-            <a:r>
-              <a:rPr lang="ja-JP" altLang="en-US" sz="3200" dirty="0" smtClean="0"/>
-              <a:t>問題作成</a:t>
-            </a:r>
-            <a:r>
-              <a:rPr lang="ja-JP" altLang="en-US" sz="3200" dirty="0" smtClean="0"/>
-              <a:t>ルールを書くにはある程度ソースコードから生成される構文木の構造を理解していないといけない</a:t>
-            </a:r>
-            <a:endParaRPr lang="en-US" altLang="ja-JP" sz="3200" dirty="0" smtClean="0"/>
-          </a:p>
-          <a:p>
-            <a:endParaRPr kumimoji="1" lang="en-US" altLang="ja-JP" sz="3200" dirty="0" smtClean="0"/>
-          </a:p>
-          <a:p>
-            <a:r>
-              <a:rPr kumimoji="1" lang="ja-JP" altLang="en-US" sz="3200" dirty="0" smtClean="0"/>
-              <a:t>構文木の構造を知らなくても、より抽象的なイメージで問題作成を行う</a:t>
-            </a:r>
-            <a:endParaRPr kumimoji="1" lang="ja-JP" altLang="en-US" sz="3200" dirty="0"/>
-          </a:p>
-        </p:txBody>
-      </p:sp>
-    </p:spTree>
-  </p:cSld>
-  <p:clrMapOvr>
-    <a:masterClrMapping/>
-  </p:clrMapOvr>
-  <p:timing>
-    <p:tnLst>
-      <p:par>
-        <p:cTn id="1" dur="indefinite" restart="never" nodeType="tmRoot"/>
-      </p:par>
-    </p:tnLst>
-  </p:timing>
-</p:sld>
-</file>
-
-<file path=ppt/slides/slide14.xml><?xml version="1.0" encoding="utf-8"?>
-<p:sld xmlns:a="http://schemas.openxmlformats.org/drawingml/2006/main" xmlns:r="http://schemas.openxmlformats.org/officeDocument/2006/relationships" xmlns:p="http://schemas.openxmlformats.org/presentationml/2006/main">
-  <p:cSld>
-    <p:spTree>
-      <p:nvGrpSpPr>
-        <p:cNvPr id="1" name=""/>
-        <p:cNvGrpSpPr/>
-        <p:nvPr/>
-      </p:nvGrpSpPr>
-      <p:grpSpPr>
-        <a:xfrm>
-          <a:off x="0" y="0"/>
-          <a:ext cx="0" cy="0"/>
-          <a:chOff x="0" y="0"/>
-          <a:chExt cx="0" cy="0"/>
-        </a:xfrm>
-      </p:grpSpPr>
-      <p:sp>
-        <p:nvSpPr>
-          <p:cNvPr id="2" name="タイトル 1"/>
-          <p:cNvSpPr>
-            <a:spLocks noGrp="1"/>
-          </p:cNvSpPr>
-          <p:nvPr>
-            <p:ph type="title"/>
-          </p:nvPr>
-        </p:nvSpPr>
-        <p:spPr/>
-        <p:txBody>
-          <a:bodyPr/>
-          <a:lstStyle/>
-          <a:p>
-            <a:r>
-              <a:rPr kumimoji="1" lang="ja-JP" altLang="en-US" dirty="0" smtClean="0"/>
-              <a:t>問題の自動生成の流れ</a:t>
-            </a:r>
-            <a:endParaRPr kumimoji="1" lang="ja-JP" altLang="en-US" dirty="0"/>
-          </a:p>
-        </p:txBody>
-      </p:sp>
-      <p:sp>
-        <p:nvSpPr>
-          <p:cNvPr id="3" name="コンテンツ プレースホルダ 2"/>
-          <p:cNvSpPr>
-            <a:spLocks noGrp="1"/>
-          </p:cNvSpPr>
-          <p:nvPr>
-            <p:ph idx="1"/>
-          </p:nvPr>
-        </p:nvSpPr>
-        <p:spPr/>
-        <p:txBody>
-          <a:bodyPr/>
-          <a:lstStyle/>
-          <a:p>
-            <a:r>
-              <a:rPr kumimoji="1" lang="ja-JP" altLang="en-US" sz="3200" dirty="0" smtClean="0"/>
-              <a:t>問題作成意図を設けより簡単に問題作成が出来るように</a:t>
-            </a:r>
-            <a:endParaRPr kumimoji="1" lang="ja-JP" altLang="en-US" sz="3200" dirty="0"/>
-          </a:p>
-        </p:txBody>
-      </p:sp>
-      <p:pic>
-        <p:nvPicPr>
-          <p:cNvPr id="4" name="図 3" descr="make_flow.eps"/>
-          <p:cNvPicPr>
-            <a:picLocks noChangeAspect="1"/>
-          </p:cNvPicPr>
-          <p:nvPr/>
-        </p:nvPicPr>
-        <p:blipFill>
-          <a:blip r:embed="rId3" cstate="print"/>
-          <a:stretch>
-            <a:fillRect/>
-          </a:stretch>
-        </p:blipFill>
         <p:spPr>
           <a:xfrm>
-            <a:off x="714348" y="2428868"/>
-            <a:ext cx="7643866" cy="4931966"/>
+            <a:off x="684212" y="1412875"/>
+            <a:ext cx="8031191" cy="4897438"/>
           </a:xfrm>
-          <a:prstGeom prst="rect">
-            <a:avLst/>
-          </a:prstGeom>
         </p:spPr>
-      </p:pic>
-      <p:sp>
-        <p:nvSpPr>
-          <p:cNvPr id="5" name="円/楕円 4"/>
-          <p:cNvSpPr/>
-          <p:nvPr/>
-        </p:nvSpPr>
-        <p:spPr>
-          <a:xfrm>
-            <a:off x="785786" y="5000636"/>
-            <a:ext cx="2000264" cy="1071570"/>
-          </a:xfrm>
-          <a:prstGeom prst="ellipse">
-            <a:avLst/>
-          </a:prstGeom>
-          <a:noFill/>
-          <a:ln w="28575">
-            <a:solidFill>
-              <a:srgbClr val="FFC000"/>
-            </a:solidFill>
-          </a:ln>
-        </p:spPr>
-        <p:style>
-          <a:lnRef idx="2">
-            <a:schemeClr val="accent1">
-              <a:shade val="50000"/>
-            </a:schemeClr>
-          </a:lnRef>
-          <a:fillRef idx="1">
-            <a:schemeClr val="accent1"/>
-          </a:fillRef>
-          <a:effectRef idx="0">
-            <a:schemeClr val="accent1"/>
-          </a:effectRef>
-          <a:fontRef idx="minor">
-            <a:schemeClr val="lt1"/>
-          </a:fontRef>
-        </p:style>
-        <p:txBody>
-          <a:bodyPr rtlCol="0" anchor="ctr"/>
-          <a:lstStyle/>
-          <a:p>
-            <a:pPr algn="ctr"/>
-            <a:endParaRPr kumimoji="1" lang="ja-JP" altLang="en-US"/>
+        <p:txBody>
+          <a:bodyPr/>
+          <a:lstStyle/>
+          <a:p>
+            <a:r>
+              <a:rPr kumimoji="1" lang="ja-JP" altLang="en-US" sz="3200" dirty="0" smtClean="0"/>
+              <a:t>手軽に問題を作ることを目的として</a:t>
+            </a:r>
+            <a:r>
+              <a:rPr kumimoji="1" lang="ja-JP" altLang="en-US" sz="3200" dirty="0" smtClean="0"/>
+              <a:t>いるが</a:t>
+            </a:r>
+            <a:r>
+              <a:rPr lang="ja-JP" altLang="en-US" sz="3200" dirty="0" smtClean="0"/>
+              <a:t>　</a:t>
+            </a:r>
+            <a:r>
+              <a:rPr lang="ja-JP" altLang="en-US" sz="3200" dirty="0" smtClean="0"/>
+              <a:t>問題</a:t>
+            </a:r>
+            <a:r>
+              <a:rPr lang="ja-JP" altLang="en-US" sz="3200" dirty="0" smtClean="0"/>
+              <a:t>作成ルールを書くにはある程度ソースコードから生成される構文木の構造を理解していないといけない</a:t>
+            </a:r>
+            <a:endParaRPr lang="en-US" altLang="ja-JP" sz="3200" dirty="0" smtClean="0"/>
+          </a:p>
+          <a:p>
+            <a:endParaRPr kumimoji="1" lang="en-US" altLang="ja-JP" sz="3200" dirty="0" smtClean="0"/>
+          </a:p>
+          <a:p>
+            <a:r>
+              <a:rPr kumimoji="1" lang="ja-JP" altLang="en-US" sz="3200" dirty="0" smtClean="0">
+                <a:solidFill>
+                  <a:srgbClr val="FF0000"/>
+                </a:solidFill>
+              </a:rPr>
+              <a:t>構文木の構造を知らなくても、より抽象的なイメージで問題作成を行う</a:t>
+            </a:r>
+            <a:endParaRPr kumimoji="1" lang="ja-JP" altLang="en-US" sz="3200" dirty="0">
+              <a:solidFill>
+                <a:srgbClr val="FF0000"/>
+              </a:solidFill>
+            </a:endParaRPr>
           </a:p>
         </p:txBody>
       </p:sp>
@@ -8609,7 +8538,7 @@
                             </p:stCondLst>
                             <p:childTnLst>
                               <p:par>
-                                <p:cTn id="5" presetID="1" presetClass="entr" presetSubtype="0" fill="hold" grpId="0" nodeType="clickEffect">
+                                <p:cTn id="5" presetID="1" presetClass="entr" presetSubtype="0" fill="hold" nodeType="clickEffect">
                                   <p:stCondLst>
                                     <p:cond delay="0"/>
                                   </p:stCondLst>
@@ -8622,7 +8551,11 @@
                                           </p:stCondLst>
                                         </p:cTn>
                                         <p:tgtEl>
-                                          <p:spTgt spid="5"/>
+                                          <p:spTgt spid="3">
+                                            <p:txEl>
+                                              <p:pRg st="2" end="2"/>
+                                            </p:txEl>
+                                          </p:spTgt>
                                         </p:tgtEl>
                                         <p:attrNameLst>
                                           <p:attrName>style.visibility</p:attrName>
@@ -8662,14 +8595,11 @@
         </p:cTn>
       </p:par>
     </p:tnLst>
-    <p:bldLst>
-      <p:bldP spid="5" grpId="0" animBg="1"/>
-    </p:bldLst>
   </p:timing>
 </p:sld>
 </file>
 
-<file path=ppt/slides/slide15.xml><?xml version="1.0" encoding="utf-8"?>
+<file path=ppt/slides/slide14.xml><?xml version="1.0" encoding="utf-8"?>
 <p:sld xmlns:a="http://schemas.openxmlformats.org/drawingml/2006/main" xmlns:r="http://schemas.openxmlformats.org/officeDocument/2006/relationships" xmlns:p="http://schemas.openxmlformats.org/presentationml/2006/main">
   <p:cSld>
     <p:spTree>
@@ -8725,16 +8655,27 @@
           <a:lstStyle/>
           <a:p>
             <a:r>
-              <a:rPr lang="ja-JP" altLang="en-US" sz="2900" dirty="0" smtClean="0"/>
-              <a:t>問題作成意図を用いた自動生成</a:t>
-            </a:r>
-            <a:endParaRPr lang="en-US" altLang="ja-JP" sz="2900" dirty="0" smtClean="0"/>
+              <a:rPr lang="ja-JP" altLang="en-US" sz="2800" dirty="0" smtClean="0"/>
+              <a:t>問題作成意図を設けより簡単に問題作成</a:t>
+            </a:r>
+            <a:r>
+              <a:rPr lang="ja-JP" altLang="en-US" sz="2800" dirty="0" smtClean="0"/>
+              <a:t>が　　出来る</a:t>
+            </a:r>
+            <a:r>
+              <a:rPr lang="ja-JP" altLang="en-US" sz="2800" dirty="0" smtClean="0"/>
+              <a:t>ように</a:t>
+            </a:r>
           </a:p>
           <a:p>
             <a:pPr lvl="1"/>
             <a:r>
               <a:rPr lang="ja-JP" altLang="en-US" sz="2600" dirty="0" smtClean="0"/>
-              <a:t>問題作成ルールよりより抽象的な表現をしたものを選び問題作成を行う</a:t>
+              <a:t>問題</a:t>
+            </a:r>
+            <a:r>
+              <a:rPr lang="ja-JP" altLang="en-US" sz="2600" dirty="0" smtClean="0"/>
+              <a:t>作成ルールよりより抽象的な表現をしたものを選び問題作成を行う</a:t>
             </a:r>
             <a:endParaRPr lang="en-US" altLang="ja-JP" sz="2600" dirty="0" smtClean="0"/>
           </a:p>
@@ -8807,7 +8748,7 @@
 </p:sld>
 </file>
 
-<file path=ppt/slides/slide16.xml><?xml version="1.0" encoding="utf-8"?>
+<file path=ppt/slides/slide15.xml><?xml version="1.0" encoding="utf-8"?>
 <p:sld xmlns:a="http://schemas.openxmlformats.org/drawingml/2006/main" xmlns:r="http://schemas.openxmlformats.org/officeDocument/2006/relationships" xmlns:p="http://schemas.openxmlformats.org/presentationml/2006/main">
   <p:cSld>
     <p:spTree>
@@ -9488,6 +9429,135 @@
 </p:sld>
 </file>
 
+<file path=ppt/slides/slide16.xml><?xml version="1.0" encoding="utf-8"?>
+<p:sld xmlns:a="http://schemas.openxmlformats.org/drawingml/2006/main" xmlns:r="http://schemas.openxmlformats.org/officeDocument/2006/relationships" xmlns:p="http://schemas.openxmlformats.org/presentationml/2006/main">
+  <p:cSld>
+    <p:spTree>
+      <p:nvGrpSpPr>
+        <p:cNvPr id="1" name=""/>
+        <p:cNvGrpSpPr/>
+        <p:nvPr/>
+      </p:nvGrpSpPr>
+      <p:grpSpPr>
+        <a:xfrm>
+          <a:off x="0" y="0"/>
+          <a:ext cx="0" cy="0"/>
+          <a:chOff x="0" y="0"/>
+          <a:chExt cx="0" cy="0"/>
+        </a:xfrm>
+      </p:grpSpPr>
+      <p:sp>
+        <p:nvSpPr>
+          <p:cNvPr id="2" name="タイトル 1"/>
+          <p:cNvSpPr>
+            <a:spLocks noGrp="1"/>
+          </p:cNvSpPr>
+          <p:nvPr>
+            <p:ph type="title"/>
+          </p:nvPr>
+        </p:nvSpPr>
+        <p:spPr/>
+        <p:txBody>
+          <a:bodyPr/>
+          <a:lstStyle/>
+          <a:p>
+            <a:r>
+              <a:rPr kumimoji="1" lang="ja-JP" altLang="en-US" dirty="0" smtClean="0"/>
+              <a:t>問題の自動</a:t>
+            </a:r>
+            <a:r>
+              <a:rPr kumimoji="1" lang="ja-JP" altLang="en-US" dirty="0" smtClean="0"/>
+              <a:t>生成のながれ</a:t>
+            </a:r>
+            <a:endParaRPr kumimoji="1" lang="ja-JP" altLang="en-US" dirty="0"/>
+          </a:p>
+        </p:txBody>
+      </p:sp>
+      <p:pic>
+        <p:nvPicPr>
+          <p:cNvPr id="4" name="図 3" descr="make_flow.eps"/>
+          <p:cNvPicPr>
+            <a:picLocks noChangeAspect="1"/>
+          </p:cNvPicPr>
+          <p:nvPr/>
+        </p:nvPicPr>
+        <p:blipFill>
+          <a:blip r:embed="rId3" cstate="print"/>
+          <a:stretch>
+            <a:fillRect/>
+          </a:stretch>
+        </p:blipFill>
+        <p:spPr>
+          <a:xfrm>
+            <a:off x="714348" y="2428868"/>
+            <a:ext cx="7643866" cy="4931966"/>
+          </a:xfrm>
+          <a:prstGeom prst="rect">
+            <a:avLst/>
+          </a:prstGeom>
+        </p:spPr>
+      </p:pic>
+      <p:sp>
+        <p:nvSpPr>
+          <p:cNvPr id="5" name="円/楕円 4"/>
+          <p:cNvSpPr/>
+          <p:nvPr/>
+        </p:nvSpPr>
+        <p:spPr>
+          <a:xfrm>
+            <a:off x="785786" y="5000636"/>
+            <a:ext cx="2000264" cy="1071570"/>
+          </a:xfrm>
+          <a:prstGeom prst="ellipse">
+            <a:avLst/>
+          </a:prstGeom>
+          <a:noFill/>
+          <a:ln w="28575">
+            <a:solidFill>
+              <a:srgbClr val="FFC000"/>
+            </a:solidFill>
+          </a:ln>
+        </p:spPr>
+        <p:style>
+          <a:lnRef idx="2">
+            <a:schemeClr val="accent1">
+              <a:shade val="50000"/>
+            </a:schemeClr>
+          </a:lnRef>
+          <a:fillRef idx="1">
+            <a:schemeClr val="accent1"/>
+          </a:fillRef>
+          <a:effectRef idx="0">
+            <a:schemeClr val="accent1"/>
+          </a:effectRef>
+          <a:fontRef idx="minor">
+            <a:schemeClr val="lt1"/>
+          </a:fontRef>
+        </p:style>
+        <p:txBody>
+          <a:bodyPr rtlCol="0" anchor="ctr"/>
+          <a:lstStyle/>
+          <a:p>
+            <a:pPr algn="ctr"/>
+            <a:endParaRPr kumimoji="1" lang="ja-JP" altLang="en-US"/>
+          </a:p>
+        </p:txBody>
+      </p:sp>
+    </p:spTree>
+  </p:cSld>
+  <p:clrMapOvr>
+    <a:masterClrMapping/>
+  </p:clrMapOvr>
+  <p:timing>
+    <p:tnLst>
+      <p:par>
+        <p:cTn id="1" dur="indefinite" restart="never" nodeType="tmRoot"/>
+      </p:par>
+    </p:tnLst>
+  </p:timing>
+</p:sld>
+</file>
+
 <file path=ppt/slides/slide17.xml><?xml version="1.0" encoding="utf-8"?>
 <p:sld xmlns:a="http://schemas.openxmlformats.org/drawingml/2006/main" xmlns:r="http://schemas.openxmlformats.org/officeDocument/2006/relationships" xmlns:p="http://schemas.openxmlformats.org/presentationml/2006/main">
   <p:cSld>
@@ -9601,11 +9671,7 @@
             </a:r>
             <a:r>
               <a:rPr lang="en-US" altLang="ja-JP" sz="2400" dirty="0" smtClean="0"/>
-              <a:t> </a:t>
-            </a:r>
-            <a:r>
-              <a:rPr lang="en-US" altLang="ja-JP" sz="2400" dirty="0" smtClean="0"/>
-              <a:t>,select, </a:t>
+              <a:t> ,select, </a:t>
             </a:r>
             <a:r>
               <a:rPr lang="en-US" altLang="ja-JP" sz="2400" dirty="0" err="1" smtClean="0"/>
@@ -9636,7 +9702,7 @@
           <a:p>
             <a:r>
               <a:rPr kumimoji="1" lang="ja-JP" altLang="en-US" dirty="0" smtClean="0"/>
-              <a:t>問題生成</a:t>
+              <a:t>問題の自動生成</a:t>
             </a:r>
             <a:endParaRPr kumimoji="1" lang="ja-JP" altLang="en-US" dirty="0"/>
           </a:p>
@@ -11868,14 +11934,27 @@
             <p:ph idx="1"/>
           </p:nvPr>
         </p:nvSpPr>
-        <p:spPr/>
+        <p:spPr>
+          <a:xfrm>
+            <a:off x="684212" y="1412875"/>
+            <a:ext cx="7745440" cy="4897438"/>
+          </a:xfrm>
+        </p:spPr>
         <p:txBody>
           <a:bodyPr/>
           <a:lstStyle/>
           <a:p>
             <a:r>
               <a:rPr kumimoji="1" lang="ja-JP" altLang="en-US" sz="3200" dirty="0" smtClean="0"/>
-              <a:t>学習効果を高めるために</a:t>
+              <a:t>学習者の理解度に応じた出題を行うため以下の出題</a:t>
+            </a:r>
+            <a:r>
+              <a:rPr lang="ja-JP" altLang="en-US" sz="3200" dirty="0" smtClean="0"/>
+              <a:t>法</a:t>
+            </a:r>
+            <a:r>
+              <a:rPr lang="ja-JP" altLang="en-US" sz="3200" dirty="0" smtClean="0"/>
+              <a:t>を組み合わせた出題を行う</a:t>
             </a:r>
             <a:endParaRPr kumimoji="1" lang="en-US" altLang="ja-JP" sz="3200" dirty="0" smtClean="0"/>
           </a:p>
@@ -11899,7 +11978,11 @@
             <a:pPr lvl="1"/>
             <a:r>
               <a:rPr kumimoji="1" lang="ja-JP" altLang="en-US" sz="2800" dirty="0" smtClean="0"/>
-              <a:t>総括的評価を用いた出題</a:t>
+              <a:t>総括的</a:t>
+            </a:r>
+            <a:r>
+              <a:rPr kumimoji="1" lang="ja-JP" altLang="en-US" sz="2800" dirty="0" smtClean="0"/>
+              <a:t>評価のための出題</a:t>
             </a:r>
             <a:endParaRPr kumimoji="1" lang="ja-JP" altLang="en-US" sz="2800" dirty="0"/>
           </a:p>
@@ -11983,15 +12066,12 @@
           </a:p>
           <a:p>
             <a:r>
-              <a:rPr kumimoji="1" lang="ja-JP" altLang="en-US" sz="3200" dirty="0" smtClean="0"/>
-              <a:t>関連研究</a:t>
-            </a:r>
-            <a:endParaRPr kumimoji="1" lang="en-US" altLang="ja-JP" sz="3200" dirty="0"/>
-          </a:p>
-          <a:p>
-            <a:r>
               <a:rPr lang="ja-JP" altLang="en-US" sz="3200" dirty="0" smtClean="0"/>
-              <a:t>研究の目的</a:t>
+              <a:t>研究</a:t>
+            </a:r>
+            <a:r>
+              <a:rPr lang="ja-JP" altLang="en-US" sz="3200" dirty="0" smtClean="0"/>
+              <a:t>の目的</a:t>
             </a:r>
             <a:endParaRPr kumimoji="1" lang="en-US" altLang="ja-JP" sz="3200" dirty="0" smtClean="0"/>
           </a:p>
@@ -12085,6 +12165,86 @@
       </p:grpSpPr>
       <p:sp>
         <p:nvSpPr>
+          <p:cNvPr id="25" name="正方形/長方形 24"/>
+          <p:cNvSpPr/>
+          <p:nvPr/>
+        </p:nvSpPr>
+        <p:spPr>
+          <a:xfrm rot="1804856">
+            <a:off x="6819706" y="5624684"/>
+            <a:ext cx="571504" cy="285752"/>
+          </a:xfrm>
+          <a:prstGeom prst="rect">
+            <a:avLst/>
+          </a:prstGeom>
+        </p:spPr>
+        <p:style>
+          <a:lnRef idx="2">
+            <a:schemeClr val="accent1">
+              <a:shade val="50000"/>
+            </a:schemeClr>
+          </a:lnRef>
+          <a:fillRef idx="1">
+            <a:schemeClr val="accent1"/>
+          </a:fillRef>
+          <a:effectRef idx="0">
+            <a:schemeClr val="accent1"/>
+          </a:effectRef>
+          <a:fontRef idx="minor">
+            <a:schemeClr val="lt1"/>
+          </a:fontRef>
+        </p:style>
+        <p:txBody>
+          <a:bodyPr rtlCol="0" anchor="ctr"/>
+          <a:lstStyle/>
+          <a:p>
+            <a:pPr algn="ctr"/>
+            <a:endParaRPr kumimoji="1" lang="ja-JP" altLang="en-US"/>
+          </a:p>
+        </p:txBody>
+      </p:sp>
+      <p:sp>
+        <p:nvSpPr>
+          <p:cNvPr id="24" name="正方形/長方形 23"/>
+          <p:cNvSpPr/>
+          <p:nvPr/>
+        </p:nvSpPr>
+        <p:spPr>
+          <a:xfrm rot="19884810">
+            <a:off x="4929190" y="5715016"/>
+            <a:ext cx="571504" cy="285752"/>
+          </a:xfrm>
+          <a:prstGeom prst="rect">
+            <a:avLst/>
+          </a:prstGeom>
+        </p:spPr>
+        <p:style>
+          <a:lnRef idx="2">
+            <a:schemeClr val="accent1">
+              <a:shade val="50000"/>
+            </a:schemeClr>
+          </a:lnRef>
+          <a:fillRef idx="1">
+            <a:schemeClr val="accent1"/>
+          </a:fillRef>
+          <a:effectRef idx="0">
+            <a:schemeClr val="accent1"/>
+          </a:effectRef>
+          <a:fontRef idx="minor">
+            <a:schemeClr val="lt1"/>
+          </a:fontRef>
+        </p:style>
+        <p:txBody>
+          <a:bodyPr rtlCol="0" anchor="ctr"/>
+          <a:lstStyle/>
+          <a:p>
+            <a:pPr algn="ctr"/>
+            <a:endParaRPr kumimoji="1" lang="ja-JP" altLang="en-US"/>
+          </a:p>
+        </p:txBody>
+      </p:sp>
+      <p:sp>
+        <p:nvSpPr>
           <p:cNvPr id="2" name="タイトル 1"/>
           <p:cNvSpPr>
             <a:spLocks noGrp="1"/>
@@ -12116,7 +12276,12 @@
             <p:ph idx="1"/>
           </p:nvPr>
         </p:nvSpPr>
-        <p:spPr/>
+        <p:spPr>
+          <a:xfrm>
+            <a:off x="684212" y="1412875"/>
+            <a:ext cx="8174067" cy="4897438"/>
+          </a:xfrm>
+        </p:spPr>
         <p:txBody>
           <a:bodyPr/>
           <a:lstStyle/>
@@ -12128,25 +12293,936 @@
             <a:endParaRPr kumimoji="1" lang="en-US" altLang="ja-JP" sz="3200" dirty="0" smtClean="0"/>
           </a:p>
           <a:p>
+            <a:pPr lvl="1"/>
+            <a:r>
+              <a:rPr lang="ja-JP" altLang="en-US" sz="2800" dirty="0" smtClean="0"/>
+              <a:t>知識を蓄積していくことで作れるプログラムが増えていく</a:t>
+            </a:r>
+            <a:endParaRPr lang="en-US" altLang="ja-JP" sz="2800" dirty="0" smtClean="0"/>
+          </a:p>
+          <a:p>
             <a:r>
               <a:rPr lang="ja-JP" altLang="en-US" sz="3200" dirty="0" smtClean="0"/>
-              <a:t>知識を蓄積していくことで作れるプログラムが増えていく</a:t>
-            </a:r>
-            <a:endParaRPr lang="en-US" altLang="ja-JP" sz="3200" dirty="0" smtClean="0"/>
-          </a:p>
-          <a:p>
+              <a:t>蓄積</a:t>
+            </a:r>
             <a:r>
               <a:rPr kumimoji="1" lang="ja-JP" altLang="en-US" sz="3200" dirty="0" smtClean="0"/>
-              <a:t>こういった分野では以前に習った内容との関連性が強い傾向がある</a:t>
+              <a:t>分野</a:t>
+            </a:r>
+            <a:r>
+              <a:rPr kumimoji="1" lang="ja-JP" altLang="en-US" sz="3200" dirty="0" smtClean="0"/>
+              <a:t>では</a:t>
+            </a:r>
+            <a:r>
+              <a:rPr kumimoji="1" lang="ja-JP" altLang="en-US" sz="3200" dirty="0" smtClean="0">
+                <a:solidFill>
+                  <a:srgbClr val="FF0000"/>
+                </a:solidFill>
+              </a:rPr>
+              <a:t>以前に習った内容との関連性</a:t>
+            </a:r>
+            <a:r>
+              <a:rPr kumimoji="1" lang="ja-JP" altLang="en-US" sz="3200" dirty="0" smtClean="0"/>
+              <a:t>が強い傾向がある</a:t>
             </a:r>
             <a:endParaRPr kumimoji="1" lang="en-US" altLang="ja-JP" sz="3200" dirty="0" smtClean="0"/>
           </a:p>
           <a:p>
             <a:r>
               <a:rPr lang="ja-JP" altLang="en-US" sz="3200" dirty="0" smtClean="0"/>
-              <a:t>その関連性に基づき、プログラムを分野分けし、分野ごとに出題を行う</a:t>
+              <a:t>その関連性に基づき、プログラムを分野分けし、分野ごと</a:t>
+            </a:r>
+            <a:r>
+              <a:rPr lang="ja-JP" altLang="en-US" sz="3200" dirty="0" smtClean="0"/>
+              <a:t>に順に出題</a:t>
+            </a:r>
+            <a:r>
+              <a:rPr lang="ja-JP" altLang="en-US" sz="3200" dirty="0" smtClean="0"/>
+              <a:t>を行う</a:t>
             </a:r>
             <a:endParaRPr kumimoji="1" lang="ja-JP" altLang="en-US" sz="3200" dirty="0"/>
+          </a:p>
+        </p:txBody>
+      </p:sp>
+      <p:sp>
+        <p:nvSpPr>
+          <p:cNvPr id="5" name="円/楕円 4"/>
+          <p:cNvSpPr/>
+          <p:nvPr/>
+        </p:nvSpPr>
+        <p:spPr>
+          <a:xfrm>
+            <a:off x="5286380" y="5143512"/>
+            <a:ext cx="1714512" cy="1000132"/>
+          </a:xfrm>
+          <a:prstGeom prst="ellipse">
+            <a:avLst/>
+          </a:prstGeom>
+        </p:spPr>
+        <p:style>
+          <a:lnRef idx="2">
+            <a:schemeClr val="accent1">
+              <a:shade val="50000"/>
+            </a:schemeClr>
+          </a:lnRef>
+          <a:fillRef idx="1">
+            <a:schemeClr val="accent1"/>
+          </a:fillRef>
+          <a:effectRef idx="0">
+            <a:schemeClr val="accent1"/>
+          </a:effectRef>
+          <a:fontRef idx="minor">
+            <a:schemeClr val="lt1"/>
+          </a:fontRef>
+        </p:style>
+        <p:txBody>
+          <a:bodyPr rtlCol="0" anchor="ctr"/>
+          <a:lstStyle/>
+          <a:p>
+            <a:pPr algn="ctr"/>
+            <a:endParaRPr kumimoji="1" lang="ja-JP" altLang="en-US"/>
+          </a:p>
+        </p:txBody>
+      </p:sp>
+      <p:sp>
+        <p:nvSpPr>
+          <p:cNvPr id="6" name="円/楕円 5"/>
+          <p:cNvSpPr/>
+          <p:nvPr/>
+        </p:nvSpPr>
+        <p:spPr>
+          <a:xfrm>
+            <a:off x="7143768" y="5500702"/>
+            <a:ext cx="1714512" cy="1143008"/>
+          </a:xfrm>
+          <a:prstGeom prst="ellipse">
+            <a:avLst/>
+          </a:prstGeom>
+        </p:spPr>
+        <p:style>
+          <a:lnRef idx="2">
+            <a:schemeClr val="accent1">
+              <a:shade val="50000"/>
+            </a:schemeClr>
+          </a:lnRef>
+          <a:fillRef idx="1">
+            <a:schemeClr val="accent1"/>
+          </a:fillRef>
+          <a:effectRef idx="0">
+            <a:schemeClr val="accent1"/>
+          </a:effectRef>
+          <a:fontRef idx="minor">
+            <a:schemeClr val="lt1"/>
+          </a:fontRef>
+        </p:style>
+        <p:txBody>
+          <a:bodyPr rtlCol="0" anchor="ctr"/>
+          <a:lstStyle/>
+          <a:p>
+            <a:pPr algn="ctr"/>
+            <a:endParaRPr kumimoji="1" lang="ja-JP" altLang="en-US"/>
+          </a:p>
+        </p:txBody>
+      </p:sp>
+      <p:sp>
+        <p:nvSpPr>
+          <p:cNvPr id="7" name="円/楕円 6"/>
+          <p:cNvSpPr/>
+          <p:nvPr/>
+        </p:nvSpPr>
+        <p:spPr>
+          <a:xfrm>
+            <a:off x="3500430" y="5715016"/>
+            <a:ext cx="1714512" cy="1000108"/>
+          </a:xfrm>
+          <a:prstGeom prst="ellipse">
+            <a:avLst/>
+          </a:prstGeom>
+        </p:spPr>
+        <p:style>
+          <a:lnRef idx="2">
+            <a:schemeClr val="accent1">
+              <a:shade val="50000"/>
+            </a:schemeClr>
+          </a:lnRef>
+          <a:fillRef idx="1">
+            <a:schemeClr val="accent1"/>
+          </a:fillRef>
+          <a:effectRef idx="0">
+            <a:schemeClr val="accent1"/>
+          </a:effectRef>
+          <a:fontRef idx="minor">
+            <a:schemeClr val="lt1"/>
+          </a:fontRef>
+        </p:style>
+        <p:txBody>
+          <a:bodyPr rtlCol="0" anchor="ctr"/>
+          <a:lstStyle/>
+          <a:p>
+            <a:pPr algn="ctr"/>
+            <a:endParaRPr kumimoji="1" lang="ja-JP" altLang="en-US"/>
+          </a:p>
+        </p:txBody>
+      </p:sp>
+      <p:sp>
+        <p:nvSpPr>
+          <p:cNvPr id="9" name="メモ 8"/>
+          <p:cNvSpPr/>
+          <p:nvPr/>
+        </p:nvSpPr>
+        <p:spPr>
+          <a:xfrm>
+            <a:off x="8215338" y="6143644"/>
+            <a:ext cx="285752" cy="285752"/>
+          </a:xfrm>
+          <a:prstGeom prst="foldedCorner">
+            <a:avLst/>
+          </a:prstGeom>
+          <a:solidFill>
+            <a:schemeClr val="bg1"/>
+          </a:solidFill>
+          <a:ln>
+            <a:solidFill>
+              <a:schemeClr val="tx1"/>
+            </a:solidFill>
+          </a:ln>
+        </p:spPr>
+        <p:style>
+          <a:lnRef idx="2">
+            <a:schemeClr val="accent1">
+              <a:shade val="50000"/>
+            </a:schemeClr>
+          </a:lnRef>
+          <a:fillRef idx="1">
+            <a:schemeClr val="accent1"/>
+          </a:fillRef>
+          <a:effectRef idx="0">
+            <a:schemeClr val="accent1"/>
+          </a:effectRef>
+          <a:fontRef idx="minor">
+            <a:schemeClr val="lt1"/>
+          </a:fontRef>
+        </p:style>
+        <p:txBody>
+          <a:bodyPr rtlCol="0" anchor="ctr"/>
+          <a:lstStyle/>
+          <a:p>
+            <a:pPr algn="ctr"/>
+            <a:endParaRPr kumimoji="1" lang="ja-JP" altLang="en-US"/>
+          </a:p>
+        </p:txBody>
+      </p:sp>
+      <p:sp>
+        <p:nvSpPr>
+          <p:cNvPr id="10" name="メモ 9"/>
+          <p:cNvSpPr/>
+          <p:nvPr/>
+        </p:nvSpPr>
+        <p:spPr>
+          <a:xfrm>
+            <a:off x="7929586" y="5715016"/>
+            <a:ext cx="285752" cy="285752"/>
+          </a:xfrm>
+          <a:prstGeom prst="foldedCorner">
+            <a:avLst/>
+          </a:prstGeom>
+          <a:solidFill>
+            <a:schemeClr val="bg1"/>
+          </a:solidFill>
+          <a:ln>
+            <a:solidFill>
+              <a:schemeClr val="tx1"/>
+            </a:solidFill>
+          </a:ln>
+        </p:spPr>
+        <p:style>
+          <a:lnRef idx="2">
+            <a:schemeClr val="accent1">
+              <a:shade val="50000"/>
+            </a:schemeClr>
+          </a:lnRef>
+          <a:fillRef idx="1">
+            <a:schemeClr val="accent1"/>
+          </a:fillRef>
+          <a:effectRef idx="0">
+            <a:schemeClr val="accent1"/>
+          </a:effectRef>
+          <a:fontRef idx="minor">
+            <a:schemeClr val="lt1"/>
+          </a:fontRef>
+        </p:style>
+        <p:txBody>
+          <a:bodyPr rtlCol="0" anchor="ctr"/>
+          <a:lstStyle/>
+          <a:p>
+            <a:pPr algn="ctr"/>
+            <a:endParaRPr kumimoji="1" lang="ja-JP" altLang="en-US"/>
+          </a:p>
+        </p:txBody>
+      </p:sp>
+      <p:sp>
+        <p:nvSpPr>
+          <p:cNvPr id="11" name="メモ 10"/>
+          <p:cNvSpPr/>
+          <p:nvPr/>
+        </p:nvSpPr>
+        <p:spPr>
+          <a:xfrm>
+            <a:off x="7643834" y="6215082"/>
+            <a:ext cx="285752" cy="285752"/>
+          </a:xfrm>
+          <a:prstGeom prst="foldedCorner">
+            <a:avLst/>
+          </a:prstGeom>
+          <a:solidFill>
+            <a:schemeClr val="bg1"/>
+          </a:solidFill>
+          <a:ln>
+            <a:solidFill>
+              <a:schemeClr val="tx1"/>
+            </a:solidFill>
+          </a:ln>
+        </p:spPr>
+        <p:style>
+          <a:lnRef idx="2">
+            <a:schemeClr val="accent1">
+              <a:shade val="50000"/>
+            </a:schemeClr>
+          </a:lnRef>
+          <a:fillRef idx="1">
+            <a:schemeClr val="accent1"/>
+          </a:fillRef>
+          <a:effectRef idx="0">
+            <a:schemeClr val="accent1"/>
+          </a:effectRef>
+          <a:fontRef idx="minor">
+            <a:schemeClr val="lt1"/>
+          </a:fontRef>
+        </p:style>
+        <p:txBody>
+          <a:bodyPr rtlCol="0" anchor="ctr"/>
+          <a:lstStyle/>
+          <a:p>
+            <a:pPr algn="ctr"/>
+            <a:endParaRPr kumimoji="1" lang="ja-JP" altLang="en-US"/>
+          </a:p>
+        </p:txBody>
+      </p:sp>
+      <p:sp>
+        <p:nvSpPr>
+          <p:cNvPr id="12" name="メモ 11"/>
+          <p:cNvSpPr/>
+          <p:nvPr/>
+        </p:nvSpPr>
+        <p:spPr>
+          <a:xfrm>
+            <a:off x="7500958" y="5786454"/>
+            <a:ext cx="285752" cy="285752"/>
+          </a:xfrm>
+          <a:prstGeom prst="foldedCorner">
+            <a:avLst/>
+          </a:prstGeom>
+          <a:solidFill>
+            <a:schemeClr val="bg1"/>
+          </a:solidFill>
+          <a:ln>
+            <a:solidFill>
+              <a:schemeClr val="tx1"/>
+            </a:solidFill>
+          </a:ln>
+        </p:spPr>
+        <p:style>
+          <a:lnRef idx="2">
+            <a:schemeClr val="accent1">
+              <a:shade val="50000"/>
+            </a:schemeClr>
+          </a:lnRef>
+          <a:fillRef idx="1">
+            <a:schemeClr val="accent1"/>
+          </a:fillRef>
+          <a:effectRef idx="0">
+            <a:schemeClr val="accent1"/>
+          </a:effectRef>
+          <a:fontRef idx="minor">
+            <a:schemeClr val="lt1"/>
+          </a:fontRef>
+        </p:style>
+        <p:txBody>
+          <a:bodyPr rtlCol="0" anchor="ctr"/>
+          <a:lstStyle/>
+          <a:p>
+            <a:pPr algn="ctr"/>
+            <a:endParaRPr kumimoji="1" lang="ja-JP" altLang="en-US"/>
+          </a:p>
+        </p:txBody>
+      </p:sp>
+      <p:sp>
+        <p:nvSpPr>
+          <p:cNvPr id="13" name="メモ 12"/>
+          <p:cNvSpPr/>
+          <p:nvPr/>
+        </p:nvSpPr>
+        <p:spPr>
+          <a:xfrm>
+            <a:off x="6357950" y="5429264"/>
+            <a:ext cx="285752" cy="285752"/>
+          </a:xfrm>
+          <a:prstGeom prst="foldedCorner">
+            <a:avLst/>
+          </a:prstGeom>
+          <a:solidFill>
+            <a:schemeClr val="bg1"/>
+          </a:solidFill>
+          <a:ln>
+            <a:solidFill>
+              <a:schemeClr val="tx1"/>
+            </a:solidFill>
+          </a:ln>
+        </p:spPr>
+        <p:style>
+          <a:lnRef idx="2">
+            <a:schemeClr val="accent1">
+              <a:shade val="50000"/>
+            </a:schemeClr>
+          </a:lnRef>
+          <a:fillRef idx="1">
+            <a:schemeClr val="accent1"/>
+          </a:fillRef>
+          <a:effectRef idx="0">
+            <a:schemeClr val="accent1"/>
+          </a:effectRef>
+          <a:fontRef idx="minor">
+            <a:schemeClr val="lt1"/>
+          </a:fontRef>
+        </p:style>
+        <p:txBody>
+          <a:bodyPr rtlCol="0" anchor="ctr"/>
+          <a:lstStyle/>
+          <a:p>
+            <a:pPr algn="ctr"/>
+            <a:endParaRPr kumimoji="1" lang="ja-JP" altLang="en-US"/>
+          </a:p>
+        </p:txBody>
+      </p:sp>
+      <p:sp>
+        <p:nvSpPr>
+          <p:cNvPr id="14" name="メモ 13"/>
+          <p:cNvSpPr/>
+          <p:nvPr/>
+        </p:nvSpPr>
+        <p:spPr>
+          <a:xfrm>
+            <a:off x="5857884" y="5715016"/>
+            <a:ext cx="285752" cy="285752"/>
+          </a:xfrm>
+          <a:prstGeom prst="foldedCorner">
+            <a:avLst/>
+          </a:prstGeom>
+          <a:solidFill>
+            <a:schemeClr val="bg1"/>
+          </a:solidFill>
+          <a:ln>
+            <a:solidFill>
+              <a:schemeClr val="tx1"/>
+            </a:solidFill>
+          </a:ln>
+        </p:spPr>
+        <p:style>
+          <a:lnRef idx="2">
+            <a:schemeClr val="accent1">
+              <a:shade val="50000"/>
+            </a:schemeClr>
+          </a:lnRef>
+          <a:fillRef idx="1">
+            <a:schemeClr val="accent1"/>
+          </a:fillRef>
+          <a:effectRef idx="0">
+            <a:schemeClr val="accent1"/>
+          </a:effectRef>
+          <a:fontRef idx="minor">
+            <a:schemeClr val="lt1"/>
+          </a:fontRef>
+        </p:style>
+        <p:txBody>
+          <a:bodyPr rtlCol="0" anchor="ctr"/>
+          <a:lstStyle/>
+          <a:p>
+            <a:pPr algn="ctr"/>
+            <a:endParaRPr kumimoji="1" lang="ja-JP" altLang="en-US"/>
+          </a:p>
+        </p:txBody>
+      </p:sp>
+      <p:sp>
+        <p:nvSpPr>
+          <p:cNvPr id="15" name="メモ 14"/>
+          <p:cNvSpPr/>
+          <p:nvPr/>
+        </p:nvSpPr>
+        <p:spPr>
+          <a:xfrm>
+            <a:off x="5643570" y="5286388"/>
+            <a:ext cx="285752" cy="285752"/>
+          </a:xfrm>
+          <a:prstGeom prst="foldedCorner">
+            <a:avLst/>
+          </a:prstGeom>
+          <a:solidFill>
+            <a:schemeClr val="bg1"/>
+          </a:solidFill>
+          <a:ln>
+            <a:solidFill>
+              <a:schemeClr val="tx1"/>
+            </a:solidFill>
+          </a:ln>
+        </p:spPr>
+        <p:style>
+          <a:lnRef idx="2">
+            <a:schemeClr val="accent1">
+              <a:shade val="50000"/>
+            </a:schemeClr>
+          </a:lnRef>
+          <a:fillRef idx="1">
+            <a:schemeClr val="accent1"/>
+          </a:fillRef>
+          <a:effectRef idx="0">
+            <a:schemeClr val="accent1"/>
+          </a:effectRef>
+          <a:fontRef idx="minor">
+            <a:schemeClr val="lt1"/>
+          </a:fontRef>
+        </p:style>
+        <p:txBody>
+          <a:bodyPr rtlCol="0" anchor="ctr"/>
+          <a:lstStyle/>
+          <a:p>
+            <a:pPr algn="ctr"/>
+            <a:endParaRPr kumimoji="1" lang="ja-JP" altLang="en-US"/>
+          </a:p>
+        </p:txBody>
+      </p:sp>
+      <p:sp>
+        <p:nvSpPr>
+          <p:cNvPr id="16" name="メモ 15"/>
+          <p:cNvSpPr/>
+          <p:nvPr/>
+        </p:nvSpPr>
+        <p:spPr>
+          <a:xfrm>
+            <a:off x="3929058" y="5857892"/>
+            <a:ext cx="285752" cy="285752"/>
+          </a:xfrm>
+          <a:prstGeom prst="foldedCorner">
+            <a:avLst/>
+          </a:prstGeom>
+          <a:solidFill>
+            <a:schemeClr val="bg1"/>
+          </a:solidFill>
+          <a:ln>
+            <a:solidFill>
+              <a:schemeClr val="tx1"/>
+            </a:solidFill>
+          </a:ln>
+        </p:spPr>
+        <p:style>
+          <a:lnRef idx="2">
+            <a:schemeClr val="accent1">
+              <a:shade val="50000"/>
+            </a:schemeClr>
+          </a:lnRef>
+          <a:fillRef idx="1">
+            <a:schemeClr val="accent1"/>
+          </a:fillRef>
+          <a:effectRef idx="0">
+            <a:schemeClr val="accent1"/>
+          </a:effectRef>
+          <a:fontRef idx="minor">
+            <a:schemeClr val="lt1"/>
+          </a:fontRef>
+        </p:style>
+        <p:txBody>
+          <a:bodyPr rtlCol="0" anchor="ctr"/>
+          <a:lstStyle/>
+          <a:p>
+            <a:pPr algn="ctr"/>
+            <a:endParaRPr kumimoji="1" lang="ja-JP" altLang="en-US"/>
+          </a:p>
+        </p:txBody>
+      </p:sp>
+      <p:sp>
+        <p:nvSpPr>
+          <p:cNvPr id="17" name="メモ 16"/>
+          <p:cNvSpPr/>
+          <p:nvPr/>
+        </p:nvSpPr>
+        <p:spPr>
+          <a:xfrm>
+            <a:off x="3929058" y="6215082"/>
+            <a:ext cx="285752" cy="285752"/>
+          </a:xfrm>
+          <a:prstGeom prst="foldedCorner">
+            <a:avLst/>
+          </a:prstGeom>
+          <a:solidFill>
+            <a:schemeClr val="bg1"/>
+          </a:solidFill>
+          <a:ln>
+            <a:solidFill>
+              <a:schemeClr val="tx1"/>
+            </a:solidFill>
+          </a:ln>
+        </p:spPr>
+        <p:style>
+          <a:lnRef idx="2">
+            <a:schemeClr val="accent1">
+              <a:shade val="50000"/>
+            </a:schemeClr>
+          </a:lnRef>
+          <a:fillRef idx="1">
+            <a:schemeClr val="accent1"/>
+          </a:fillRef>
+          <a:effectRef idx="0">
+            <a:schemeClr val="accent1"/>
+          </a:effectRef>
+          <a:fontRef idx="minor">
+            <a:schemeClr val="lt1"/>
+          </a:fontRef>
+        </p:style>
+        <p:txBody>
+          <a:bodyPr rtlCol="0" anchor="ctr"/>
+          <a:lstStyle/>
+          <a:p>
+            <a:pPr algn="ctr"/>
+            <a:endParaRPr kumimoji="1" lang="ja-JP" altLang="en-US"/>
+          </a:p>
+        </p:txBody>
+      </p:sp>
+      <p:sp>
+        <p:nvSpPr>
+          <p:cNvPr id="18" name="メモ 17"/>
+          <p:cNvSpPr/>
+          <p:nvPr/>
+        </p:nvSpPr>
+        <p:spPr>
+          <a:xfrm>
+            <a:off x="4429124" y="5929330"/>
+            <a:ext cx="285752" cy="285752"/>
+          </a:xfrm>
+          <a:prstGeom prst="foldedCorner">
+            <a:avLst/>
+          </a:prstGeom>
+          <a:solidFill>
+            <a:schemeClr val="bg1"/>
+          </a:solidFill>
+          <a:ln>
+            <a:solidFill>
+              <a:schemeClr val="tx1"/>
+            </a:solidFill>
+          </a:ln>
+        </p:spPr>
+        <p:style>
+          <a:lnRef idx="2">
+            <a:schemeClr val="accent1">
+              <a:shade val="50000"/>
+            </a:schemeClr>
+          </a:lnRef>
+          <a:fillRef idx="1">
+            <a:schemeClr val="accent1"/>
+          </a:fillRef>
+          <a:effectRef idx="0">
+            <a:schemeClr val="accent1"/>
+          </a:effectRef>
+          <a:fontRef idx="minor">
+            <a:schemeClr val="lt1"/>
+          </a:fontRef>
+        </p:style>
+        <p:txBody>
+          <a:bodyPr rtlCol="0" anchor="ctr"/>
+          <a:lstStyle/>
+          <a:p>
+            <a:pPr algn="ctr"/>
+            <a:endParaRPr kumimoji="1" lang="ja-JP" altLang="en-US"/>
+          </a:p>
+        </p:txBody>
+      </p:sp>
+      <p:sp>
+        <p:nvSpPr>
+          <p:cNvPr id="19" name="メモ 18"/>
+          <p:cNvSpPr/>
+          <p:nvPr/>
+        </p:nvSpPr>
+        <p:spPr>
+          <a:xfrm>
+            <a:off x="4357686" y="6357958"/>
+            <a:ext cx="285752" cy="285752"/>
+          </a:xfrm>
+          <a:prstGeom prst="foldedCorner">
+            <a:avLst/>
+          </a:prstGeom>
+          <a:solidFill>
+            <a:schemeClr val="bg1"/>
+          </a:solidFill>
+          <a:ln>
+            <a:solidFill>
+              <a:schemeClr val="tx1"/>
+            </a:solidFill>
+          </a:ln>
+        </p:spPr>
+        <p:style>
+          <a:lnRef idx="2">
+            <a:schemeClr val="accent1">
+              <a:shade val="50000"/>
+            </a:schemeClr>
+          </a:lnRef>
+          <a:fillRef idx="1">
+            <a:schemeClr val="accent1"/>
+          </a:fillRef>
+          <a:effectRef idx="0">
+            <a:schemeClr val="accent1"/>
+          </a:effectRef>
+          <a:fontRef idx="minor">
+            <a:schemeClr val="lt1"/>
+          </a:fontRef>
+        </p:style>
+        <p:txBody>
+          <a:bodyPr rtlCol="0" anchor="ctr"/>
+          <a:lstStyle/>
+          <a:p>
+            <a:pPr algn="ctr"/>
+            <a:endParaRPr kumimoji="1" lang="ja-JP" altLang="en-US"/>
+          </a:p>
+        </p:txBody>
+      </p:sp>
+      <p:sp>
+        <p:nvSpPr>
+          <p:cNvPr id="20" name="メモ 19"/>
+          <p:cNvSpPr/>
+          <p:nvPr/>
+        </p:nvSpPr>
+        <p:spPr>
+          <a:xfrm>
+            <a:off x="4786314" y="6143644"/>
+            <a:ext cx="285752" cy="285752"/>
+          </a:xfrm>
+          <a:prstGeom prst="foldedCorner">
+            <a:avLst/>
+          </a:prstGeom>
+          <a:solidFill>
+            <a:schemeClr val="bg1"/>
+          </a:solidFill>
+          <a:ln>
+            <a:solidFill>
+              <a:schemeClr val="tx1"/>
+            </a:solidFill>
+          </a:ln>
+        </p:spPr>
+        <p:style>
+          <a:lnRef idx="2">
+            <a:schemeClr val="accent1">
+              <a:shade val="50000"/>
+            </a:schemeClr>
+          </a:lnRef>
+          <a:fillRef idx="1">
+            <a:schemeClr val="accent1"/>
+          </a:fillRef>
+          <a:effectRef idx="0">
+            <a:schemeClr val="accent1"/>
+          </a:effectRef>
+          <a:fontRef idx="minor">
+            <a:schemeClr val="lt1"/>
+          </a:fontRef>
+        </p:style>
+        <p:txBody>
+          <a:bodyPr rtlCol="0" anchor="ctr"/>
+          <a:lstStyle/>
+          <a:p>
+            <a:pPr algn="ctr"/>
+            <a:endParaRPr kumimoji="1" lang="ja-JP" altLang="en-US"/>
+          </a:p>
+        </p:txBody>
+      </p:sp>
+      <p:sp>
+        <p:nvSpPr>
+          <p:cNvPr id="21" name="テキスト ボックス 20"/>
+          <p:cNvSpPr txBox="1"/>
+          <p:nvPr/>
+        </p:nvSpPr>
+        <p:spPr>
+          <a:xfrm>
+            <a:off x="3786182" y="5429264"/>
+            <a:ext cx="1059906" cy="400110"/>
+          </a:xfrm>
+          <a:prstGeom prst="rect">
+            <a:avLst/>
+          </a:prstGeom>
+          <a:noFill/>
+        </p:spPr>
+        <p:txBody>
+          <a:bodyPr wrap="none" rtlCol="0">
+            <a:spAutoFit/>
+          </a:bodyPr>
+          <a:lstStyle/>
+          <a:p>
+            <a:r>
+              <a:rPr kumimoji="1" lang="ja-JP" altLang="en-US" sz="2000" b="1" dirty="0" smtClean="0"/>
+              <a:t>ポインタ</a:t>
+            </a:r>
+            <a:endParaRPr kumimoji="1" lang="ja-JP" altLang="en-US" sz="2000" b="1" dirty="0"/>
+          </a:p>
+        </p:txBody>
+      </p:sp>
+      <p:sp>
+        <p:nvSpPr>
+          <p:cNvPr id="22" name="テキスト ボックス 21"/>
+          <p:cNvSpPr txBox="1"/>
+          <p:nvPr/>
+        </p:nvSpPr>
+        <p:spPr>
+          <a:xfrm>
+            <a:off x="5357818" y="6000768"/>
+            <a:ext cx="1579278" cy="400110"/>
+          </a:xfrm>
+          <a:prstGeom prst="rect">
+            <a:avLst/>
+          </a:prstGeom>
+          <a:noFill/>
+        </p:spPr>
+        <p:txBody>
+          <a:bodyPr wrap="none" rtlCol="0">
+            <a:spAutoFit/>
+          </a:bodyPr>
+          <a:lstStyle/>
+          <a:p>
+            <a:r>
+              <a:rPr kumimoji="1" lang="ja-JP" altLang="en-US" sz="2000" b="1" dirty="0" smtClean="0"/>
+              <a:t>ポインタ配列</a:t>
+            </a:r>
+            <a:endParaRPr kumimoji="1" lang="ja-JP" altLang="en-US" sz="2000" b="1" dirty="0"/>
+          </a:p>
+        </p:txBody>
+      </p:sp>
+      <p:sp>
+        <p:nvSpPr>
+          <p:cNvPr id="23" name="テキスト ボックス 22"/>
+          <p:cNvSpPr txBox="1"/>
+          <p:nvPr/>
+        </p:nvSpPr>
+        <p:spPr>
+          <a:xfrm>
+            <a:off x="7072330" y="5214950"/>
+            <a:ext cx="1837362" cy="400110"/>
+          </a:xfrm>
+          <a:prstGeom prst="rect">
+            <a:avLst/>
+          </a:prstGeom>
+          <a:noFill/>
+        </p:spPr>
+        <p:txBody>
+          <a:bodyPr wrap="none" rtlCol="0">
+            <a:spAutoFit/>
+          </a:bodyPr>
+          <a:lstStyle/>
+          <a:p>
+            <a:r>
+              <a:rPr kumimoji="1" lang="ja-JP" altLang="en-US" sz="2000" b="1" dirty="0" smtClean="0"/>
+              <a:t>構造体ポインタ</a:t>
+            </a:r>
+            <a:endParaRPr kumimoji="1" lang="ja-JP" altLang="en-US" sz="2000" b="1" dirty="0"/>
+          </a:p>
+        </p:txBody>
+      </p:sp>
+      <p:pic>
+        <p:nvPicPr>
+          <p:cNvPr id="1028" name="Picture 4" descr="C:\Users\ariyasu\AppData\Local\Microsoft\Windows\Temporary Internet Files\Content.IE5\77EZK2P9\MCj03967600000[1].wmf"/>
+          <p:cNvPicPr>
+            <a:picLocks noChangeAspect="1" noChangeArrowheads="1"/>
+          </p:cNvPicPr>
+          <p:nvPr/>
+        </p:nvPicPr>
+        <p:blipFill>
+          <a:blip r:embed="rId3" cstate="print"/>
+          <a:srcRect/>
+          <a:stretch>
+            <a:fillRect/>
+          </a:stretch>
+        </p:blipFill>
+        <p:spPr bwMode="auto">
+          <a:xfrm flipH="1">
+            <a:off x="857224" y="5286388"/>
+            <a:ext cx="1285884" cy="1370194"/>
+          </a:xfrm>
+          <a:prstGeom prst="rect">
+            <a:avLst/>
+          </a:prstGeom>
+          <a:noFill/>
+        </p:spPr>
+      </p:pic>
+      <p:sp>
+        <p:nvSpPr>
+          <p:cNvPr id="31" name="左矢印 30"/>
+          <p:cNvSpPr/>
+          <p:nvPr/>
+        </p:nvSpPr>
+        <p:spPr>
+          <a:xfrm>
+            <a:off x="2428860" y="5857892"/>
+            <a:ext cx="714380" cy="500066"/>
+          </a:xfrm>
+          <a:prstGeom prst="leftArrow">
+            <a:avLst/>
+          </a:prstGeom>
+        </p:spPr>
+        <p:style>
+          <a:lnRef idx="2">
+            <a:schemeClr val="accent1">
+              <a:shade val="50000"/>
+            </a:schemeClr>
+          </a:lnRef>
+          <a:fillRef idx="1">
+            <a:schemeClr val="accent1"/>
+          </a:fillRef>
+          <a:effectRef idx="0">
+            <a:schemeClr val="accent1"/>
+          </a:effectRef>
+          <a:fontRef idx="minor">
+            <a:schemeClr val="lt1"/>
+          </a:fontRef>
+        </p:style>
+        <p:txBody>
+          <a:bodyPr rtlCol="0" anchor="ctr"/>
+          <a:lstStyle/>
+          <a:p>
+            <a:pPr algn="ctr"/>
+            <a:endParaRPr kumimoji="1" lang="ja-JP" altLang="en-US"/>
+          </a:p>
+        </p:txBody>
+      </p:sp>
+      <p:sp>
+        <p:nvSpPr>
+          <p:cNvPr id="32" name="テキスト ボックス 31"/>
+          <p:cNvSpPr txBox="1"/>
+          <p:nvPr/>
+        </p:nvSpPr>
+        <p:spPr>
+          <a:xfrm>
+            <a:off x="2428860" y="5429264"/>
+            <a:ext cx="697627" cy="400110"/>
+          </a:xfrm>
+          <a:prstGeom prst="rect">
+            <a:avLst/>
+          </a:prstGeom>
+          <a:noFill/>
+        </p:spPr>
+        <p:txBody>
+          <a:bodyPr wrap="none" rtlCol="0">
+            <a:spAutoFit/>
+          </a:bodyPr>
+          <a:lstStyle/>
+          <a:p>
+            <a:r>
+              <a:rPr kumimoji="1" lang="ja-JP" altLang="en-US" sz="2000" b="1" dirty="0" smtClean="0"/>
+              <a:t>出題</a:t>
+            </a:r>
+            <a:endParaRPr kumimoji="1" lang="ja-JP" altLang="en-US" sz="2000" b="1" dirty="0"/>
           </a:p>
         </p:txBody>
       </p:sp>
@@ -12204,15 +13280,7 @@
           <a:p>
             <a:r>
               <a:rPr kumimoji="1" lang="ja-JP" altLang="en-US" dirty="0" smtClean="0"/>
-              <a:t>形成的</a:t>
-            </a:r>
-            <a:r>
-              <a:rPr kumimoji="1" lang="ja-JP" altLang="en-US" dirty="0" smtClean="0"/>
-              <a:t>評価と総括的評価を</a:t>
-            </a:r>
-            <a:r>
-              <a:rPr kumimoji="1" lang="ja-JP" altLang="en-US" dirty="0" smtClean="0"/>
-              <a:t>用いた出題</a:t>
+              <a:t>形成的評価と総括的評価を用いた出題</a:t>
             </a:r>
             <a:endParaRPr kumimoji="1" lang="ja-JP" altLang="en-US" dirty="0"/>
           </a:p>
@@ -12234,20 +13302,36 @@
           <a:lstStyle/>
           <a:p>
             <a:r>
-              <a:rPr kumimoji="1" lang="ja-JP" altLang="en-US" sz="3200" dirty="0" smtClean="0"/>
+              <a:rPr kumimoji="1" lang="ja-JP" altLang="en-US" sz="3200" dirty="0" smtClean="0">
+                <a:solidFill>
+                  <a:srgbClr val="FF0000"/>
+                </a:solidFill>
+              </a:rPr>
               <a:t>形成的評価</a:t>
             </a:r>
-            <a:endParaRPr kumimoji="1" lang="en-US" altLang="ja-JP" sz="3200" dirty="0" smtClean="0"/>
+            <a:endParaRPr kumimoji="1" lang="en-US" altLang="ja-JP" sz="3200" dirty="0" smtClean="0">
+              <a:solidFill>
+                <a:srgbClr val="FF0000"/>
+              </a:solidFill>
+            </a:endParaRPr>
           </a:p>
           <a:p>
             <a:pPr lvl="1"/>
             <a:r>
               <a:rPr kumimoji="1" lang="ja-JP" altLang="en-US" sz="2800" dirty="0" smtClean="0"/>
-              <a:t>学習者</a:t>
+              <a:t>学習者の理解度を</a:t>
+            </a:r>
+            <a:r>
+              <a:rPr kumimoji="1" lang="ja-JP" altLang="en-US" sz="2800" dirty="0" smtClean="0">
+                <a:solidFill>
+                  <a:schemeClr val="accent2"/>
+                </a:solidFill>
+              </a:rPr>
+              <a:t>逐次確認</a:t>
             </a:r>
             <a:r>
               <a:rPr kumimoji="1" lang="ja-JP" altLang="en-US" sz="2800" dirty="0" smtClean="0"/>
-              <a:t>の理解度を逐次確認しながら、適切なレベルの問題を出題</a:t>
+              <a:t>しながら、適切なレベルの問題を出題</a:t>
             </a:r>
             <a:r>
               <a:rPr kumimoji="1" lang="ja-JP" altLang="en-US" sz="2800" dirty="0" smtClean="0"/>
@@ -12256,28 +13340,63 @@
             <a:endParaRPr kumimoji="1" lang="en-US" altLang="ja-JP" sz="2800" dirty="0" smtClean="0"/>
           </a:p>
           <a:p>
-            <a:endParaRPr lang="en-US" altLang="ja-JP" sz="3200" dirty="0" smtClean="0"/>
-          </a:p>
-          <a:p>
+            <a:pPr lvl="1"/>
+            <a:r>
+              <a:rPr kumimoji="1" lang="en-US" altLang="ja-JP" sz="2800" dirty="0" smtClean="0"/>
+              <a:t>1</a:t>
+            </a:r>
+            <a:r>
+              <a:rPr kumimoji="1" lang="ja-JP" altLang="en-US" sz="2800" dirty="0" smtClean="0"/>
+              <a:t>問解くごとに正誤判定をし、次に出す問題のレベルの切り替えを行ったり、</a:t>
+            </a:r>
+            <a:r>
+              <a:rPr lang="ja-JP" altLang="en-US" sz="2800" dirty="0" smtClean="0"/>
+              <a:t>復習をさせる</a:t>
+            </a:r>
             <a:endParaRPr kumimoji="1" lang="en-US" altLang="ja-JP" sz="3200" dirty="0" smtClean="0"/>
           </a:p>
           <a:p>
             <a:r>
-              <a:rPr lang="ja-JP" altLang="en-US" sz="3200" dirty="0" smtClean="0"/>
+              <a:rPr lang="ja-JP" altLang="en-US" sz="3200" dirty="0" smtClean="0">
+                <a:solidFill>
+                  <a:srgbClr val="FF0000"/>
+                </a:solidFill>
+              </a:rPr>
               <a:t>総括的評価</a:t>
             </a:r>
-            <a:endParaRPr lang="en-US" altLang="ja-JP" sz="3200" dirty="0" smtClean="0"/>
+            <a:endParaRPr lang="en-US" altLang="ja-JP" sz="3200" dirty="0" smtClean="0">
+              <a:solidFill>
+                <a:srgbClr val="FF0000"/>
+              </a:solidFill>
+            </a:endParaRPr>
           </a:p>
           <a:p>
             <a:pPr lvl="1"/>
             <a:r>
+              <a:rPr lang="ja-JP" altLang="en-US" sz="2800" dirty="0" smtClean="0">
+                <a:solidFill>
+                  <a:schemeClr val="accent2"/>
+                </a:solidFill>
+              </a:rPr>
+              <a:t>節の最後</a:t>
+            </a:r>
+            <a:r>
               <a:rPr lang="ja-JP" altLang="en-US" sz="2800" dirty="0" smtClean="0"/>
-              <a:t>節</a:t>
+              <a:t>に正解率を計算し、学習目標まで到達しているか判断</a:t>
             </a:r>
             <a:r>
               <a:rPr lang="ja-JP" altLang="en-US" sz="2800" dirty="0" smtClean="0"/>
-              <a:t>の最後に正解率を計算し、学習目標まで到達しているか判断する</a:t>
-            </a:r>
+              <a:t>する</a:t>
+            </a:r>
+            <a:endParaRPr lang="en-US" altLang="ja-JP" sz="2800" dirty="0" smtClean="0"/>
+          </a:p>
+          <a:p>
+            <a:pPr lvl="1"/>
+            <a:r>
+              <a:rPr lang="ja-JP" altLang="en-US" sz="2800" dirty="0" smtClean="0"/>
+              <a:t>閾値と正解率を比較し、修了させるか復習させるかを決定する</a:t>
+            </a:r>
+            <a:endParaRPr lang="ja-JP" altLang="en-US" sz="2800" dirty="0" smtClean="0"/>
           </a:p>
           <a:p>
             <a:endParaRPr kumimoji="1" lang="ja-JP" altLang="en-US" sz="3200" dirty="0"/>
@@ -12339,15 +13458,74 @@
           </a:p>
         </p:txBody>
       </p:sp>
+      <p:sp>
+        <p:nvSpPr>
+          <p:cNvPr id="5" name="テキスト ボックス 4"/>
+          <p:cNvSpPr txBox="1"/>
+          <p:nvPr/>
+        </p:nvSpPr>
+        <p:spPr>
+          <a:xfrm>
+            <a:off x="6500826" y="1928802"/>
+            <a:ext cx="1218603" cy="400110"/>
+          </a:xfrm>
+          <a:prstGeom prst="rect">
+            <a:avLst/>
+          </a:prstGeom>
+          <a:noFill/>
+        </p:spPr>
+        <p:txBody>
+          <a:bodyPr wrap="none" rtlCol="0">
+            <a:spAutoFit/>
+          </a:bodyPr>
+          <a:lstStyle/>
+          <a:p>
+            <a:r>
+              <a:rPr kumimoji="1" lang="ja-JP" altLang="en-US" sz="2000" b="1" dirty="0" smtClean="0"/>
+              <a:t>閾値：</a:t>
+            </a:r>
+            <a:r>
+              <a:rPr kumimoji="1" lang="en-US" altLang="ja-JP" sz="2000" b="1" dirty="0" smtClean="0"/>
+              <a:t>2</a:t>
+            </a:r>
+            <a:r>
+              <a:rPr kumimoji="1" lang="ja-JP" altLang="en-US" sz="2000" b="1" dirty="0" smtClean="0"/>
+              <a:t>問</a:t>
+            </a:r>
+            <a:endParaRPr kumimoji="1" lang="ja-JP" altLang="en-US" sz="2000" b="1" dirty="0"/>
+          </a:p>
+        </p:txBody>
+      </p:sp>
+      <p:sp>
+        <p:nvSpPr>
+          <p:cNvPr id="6" name="コンテンツ プレースホルダ 5"/>
+          <p:cNvSpPr>
+            <a:spLocks noGrp="1"/>
+          </p:cNvSpPr>
+          <p:nvPr>
+            <p:ph idx="1"/>
+          </p:nvPr>
+        </p:nvSpPr>
+        <p:spPr/>
+        <p:txBody>
+          <a:bodyPr/>
+          <a:lstStyle/>
+          <a:p>
+            <a:r>
+              <a:rPr kumimoji="1" lang="ja-JP" altLang="en-US" sz="3200" dirty="0" smtClean="0"/>
+              <a:t>提案する出題の流れを示す</a:t>
+            </a:r>
+            <a:endParaRPr kumimoji="1" lang="ja-JP" altLang="en-US" sz="3200" dirty="0"/>
+          </a:p>
+        </p:txBody>
+      </p:sp>
       <p:pic>
         <p:nvPicPr>
-          <p:cNvPr id="4" name="コンテンツ プレースホルダ 3" descr="take_flow.eps"/>
+          <p:cNvPr id="7" name="コンテンツ プレースホルダ 3" descr="take_flow.eps"/>
           <p:cNvPicPr>
-            <a:picLocks noGrp="1" noChangeAspect="1"/>
+            <a:picLocks noChangeAspect="1"/>
           </p:cNvPicPr>
-          <p:nvPr>
-            <p:ph idx="1"/>
-          </p:nvPr>
+          <p:nvPr/>
         </p:nvPicPr>
         <p:blipFill>
           <a:blip r:embed="rId3" cstate="print"/>
@@ -12355,11 +13533,22 @@
             <a:fillRect/>
           </a:stretch>
         </p:blipFill>
-        <p:spPr>
+        <p:spPr bwMode="gray">
           <a:xfrm>
             <a:off x="0" y="2071678"/>
             <a:ext cx="9144000" cy="5352032"/>
           </a:xfrm>
+          <a:prstGeom prst="rect">
+            <a:avLst/>
+          </a:prstGeom>
+          <a:noFill/>
+          <a:ln w="9525">
+            <a:noFill/>
+            <a:miter lim="800000"/>
+            <a:headEnd/>
+            <a:tailEnd/>
+          </a:ln>
+          <a:effectLst/>
         </p:spPr>
       </p:pic>
     </p:spTree>
@@ -12622,7 +13811,7 @@
             </a:pPr>
             <a:r>
               <a:rPr kumimoji="1" lang="ja-JP" altLang="en-US" sz="2400" dirty="0" smtClean="0"/>
-              <a:t>分配法則</a:t>
+              <a:t>分配律</a:t>
             </a:r>
             <a:endParaRPr kumimoji="1" lang="en-US" altLang="ja-JP" sz="2400" dirty="0" smtClean="0"/>
           </a:p>
@@ -12714,7 +13903,7 @@
             </a:pPr>
             <a:r>
               <a:rPr kumimoji="1" lang="ja-JP" altLang="en-US" sz="2400" dirty="0" smtClean="0"/>
-              <a:t>結合法則</a:t>
+              <a:t>結合律</a:t>
             </a:r>
             <a:endParaRPr lang="en-US" altLang="ja-JP" dirty="0" smtClean="0"/>
           </a:p>
@@ -12792,6 +13981,204 @@
           <a:p>
             <a:r>
               <a:rPr kumimoji="1" lang="ja-JP" altLang="en-US" dirty="0" smtClean="0"/>
+              <a:t>採点方法</a:t>
+            </a:r>
+            <a:endParaRPr kumimoji="1" lang="ja-JP" altLang="en-US" dirty="0"/>
+          </a:p>
+        </p:txBody>
+      </p:sp>
+      <p:sp>
+        <p:nvSpPr>
+          <p:cNvPr id="3" name="コンテンツ プレースホルダ 2"/>
+          <p:cNvSpPr>
+            <a:spLocks noGrp="1"/>
+          </p:cNvSpPr>
+          <p:nvPr>
+            <p:ph idx="1"/>
+          </p:nvPr>
+        </p:nvSpPr>
+        <p:spPr/>
+        <p:txBody>
+          <a:bodyPr/>
+          <a:lstStyle/>
+          <a:p>
+            <a:r>
+              <a:rPr kumimoji="1" lang="en-US" altLang="ja-JP" sz="3200" dirty="0" smtClean="0"/>
+              <a:t>3</a:t>
+            </a:r>
+            <a:r>
+              <a:rPr kumimoji="1" lang="ja-JP" altLang="en-US" sz="3200" dirty="0" err="1" smtClean="0"/>
+              <a:t>つの</a:t>
+            </a:r>
+            <a:r>
+              <a:rPr kumimoji="1" lang="ja-JP" altLang="en-US" sz="3200" dirty="0" smtClean="0"/>
+              <a:t>方法を用いて採点を行う</a:t>
+            </a:r>
+            <a:endParaRPr kumimoji="1" lang="en-US" altLang="ja-JP" sz="3200" dirty="0" smtClean="0"/>
+          </a:p>
+          <a:p>
+            <a:pPr>
+              <a:buClr>
+                <a:srgbClr val="FF0000"/>
+              </a:buClr>
+            </a:pPr>
+            <a:r>
+              <a:rPr lang="ja-JP" altLang="en-US" sz="3200" dirty="0" smtClean="0"/>
+              <a:t>対応テーブル</a:t>
+            </a:r>
+            <a:r>
+              <a:rPr lang="ja-JP" altLang="en-US" sz="3200" dirty="0" smtClean="0"/>
+              <a:t>による変数の比較</a:t>
+            </a:r>
+            <a:endParaRPr lang="en-US" altLang="ja-JP" sz="3200" dirty="0" smtClean="0"/>
+          </a:p>
+          <a:p>
+            <a:pPr lvl="1">
+              <a:buClr>
+                <a:srgbClr val="FF0000"/>
+              </a:buClr>
+            </a:pPr>
+            <a:r>
+              <a:rPr lang="ja-JP" altLang="en-US" sz="2800" dirty="0" smtClean="0"/>
+              <a:t>すべての変数名を穴にあけた問題に対応</a:t>
+            </a:r>
+            <a:endParaRPr lang="en-US" altLang="ja-JP" sz="2800" dirty="0" smtClean="0"/>
+          </a:p>
+          <a:p>
+            <a:pPr>
+              <a:buClr>
+                <a:srgbClr val="FF0000"/>
+              </a:buClr>
+            </a:pPr>
+            <a:r>
+              <a:rPr kumimoji="1" lang="ja-JP" altLang="en-US" sz="3200" dirty="0" smtClean="0"/>
+              <a:t>正規フォーマットへの</a:t>
+            </a:r>
+            <a:r>
+              <a:rPr kumimoji="1" lang="ja-JP" altLang="en-US" sz="3200" dirty="0" smtClean="0"/>
+              <a:t>変換</a:t>
+            </a:r>
+            <a:endParaRPr kumimoji="1" lang="en-US" altLang="ja-JP" sz="3200" dirty="0" smtClean="0"/>
+          </a:p>
+          <a:p>
+            <a:pPr lvl="1">
+              <a:buClr>
+                <a:srgbClr val="FF0000"/>
+              </a:buClr>
+            </a:pPr>
+            <a:r>
+              <a:rPr lang="en-US" altLang="ja-JP" sz="2800" dirty="0" smtClean="0"/>
+              <a:t>For</a:t>
+            </a:r>
+            <a:r>
+              <a:rPr lang="ja-JP" altLang="en-US" sz="2800" dirty="0" smtClean="0"/>
+              <a:t>と</a:t>
+            </a:r>
+            <a:r>
+              <a:rPr lang="en-US" altLang="ja-JP" sz="2800" dirty="0" smtClean="0"/>
+              <a:t>While,</a:t>
+            </a:r>
+            <a:r>
+              <a:rPr lang="ja-JP" altLang="en-US" sz="2800" dirty="0" smtClean="0"/>
+              <a:t>分配律</a:t>
+            </a:r>
+            <a:r>
+              <a:rPr lang="en-US" altLang="ja-JP" sz="2800" dirty="0" smtClean="0"/>
+              <a:t>,</a:t>
+            </a:r>
+            <a:r>
+              <a:rPr lang="ja-JP" altLang="en-US" sz="2800" dirty="0" smtClean="0"/>
+              <a:t>結合律</a:t>
+            </a:r>
+            <a:r>
+              <a:rPr lang="en-US" altLang="ja-JP" sz="2800" dirty="0" smtClean="0"/>
+              <a:t>,</a:t>
+            </a:r>
+            <a:r>
+              <a:rPr lang="ja-JP" altLang="en-US" sz="2800" dirty="0" smtClean="0"/>
+              <a:t>可換律などに対応</a:t>
+            </a:r>
+            <a:endParaRPr lang="en-US" altLang="ja-JP" sz="2800" dirty="0" smtClean="0"/>
+          </a:p>
+          <a:p>
+            <a:pPr>
+              <a:buClr>
+                <a:srgbClr val="FF0000"/>
+              </a:buClr>
+            </a:pPr>
+            <a:r>
+              <a:rPr kumimoji="1" lang="ja-JP" altLang="en-US" sz="3200" dirty="0" smtClean="0"/>
+              <a:t>構文木同士の比較</a:t>
+            </a:r>
+            <a:endParaRPr kumimoji="1" lang="en-US" altLang="ja-JP" sz="3200" dirty="0" smtClean="0"/>
+          </a:p>
+          <a:p>
+            <a:pPr lvl="1">
+              <a:buClr>
+                <a:srgbClr val="FF0000"/>
+              </a:buClr>
+            </a:pPr>
+            <a:r>
+              <a:rPr lang="ja-JP" altLang="en-US" sz="2800" dirty="0" smtClean="0"/>
+              <a:t>プログラム</a:t>
+            </a:r>
+            <a:r>
+              <a:rPr lang="ja-JP" altLang="en-US" sz="2800" dirty="0" smtClean="0"/>
+              <a:t>の構造比較</a:t>
+            </a:r>
+            <a:endParaRPr kumimoji="1" lang="ja-JP" altLang="en-US" sz="2800" dirty="0"/>
+          </a:p>
+        </p:txBody>
+      </p:sp>
+    </p:spTree>
+  </p:cSld>
+  <p:clrMapOvr>
+    <a:masterClrMapping/>
+  </p:clrMapOvr>
+  <p:timing>
+    <p:tnLst>
+      <p:par>
+        <p:cTn id="1" dur="indefinite" restart="never" nodeType="tmRoot"/>
+      </p:par>
+    </p:tnLst>
+  </p:timing>
+</p:sld>
+</file>
+
+<file path=ppt/slides/slide26.xml><?xml version="1.0" encoding="utf-8"?>
+<p:sld xmlns:a="http://schemas.openxmlformats.org/drawingml/2006/main" xmlns:r="http://schemas.openxmlformats.org/officeDocument/2006/relationships" xmlns:p="http://schemas.openxmlformats.org/presentationml/2006/main">
+  <p:cSld>
+    <p:spTree>
+      <p:nvGrpSpPr>
+        <p:cNvPr id="1" name=""/>
+        <p:cNvGrpSpPr/>
+        <p:nvPr/>
+      </p:nvGrpSpPr>
+      <p:grpSpPr>
+        <a:xfrm>
+          <a:off x="0" y="0"/>
+          <a:ext cx="0" cy="0"/>
+          <a:chOff x="0" y="0"/>
+          <a:chExt cx="0" cy="0"/>
+        </a:xfrm>
+      </p:grpSpPr>
+      <p:sp>
+        <p:nvSpPr>
+          <p:cNvPr id="2" name="タイトル 1"/>
+          <p:cNvSpPr>
+            <a:spLocks noGrp="1"/>
+          </p:cNvSpPr>
+          <p:nvPr>
+            <p:ph type="title"/>
+          </p:nvPr>
+        </p:nvSpPr>
+        <p:spPr/>
+        <p:txBody>
+          <a:bodyPr/>
+          <a:lstStyle/>
+          <a:p>
+            <a:r>
+              <a:rPr kumimoji="1" lang="ja-JP" altLang="en-US" dirty="0" smtClean="0"/>
               <a:t>対応テーブルによる変数の比較</a:t>
             </a:r>
             <a:endParaRPr kumimoji="1" lang="ja-JP" altLang="en-US" dirty="0"/>
@@ -12820,11 +14207,7 @@
           <a:p>
             <a:r>
               <a:rPr lang="ja-JP" altLang="en-US" sz="3200" dirty="0" smtClean="0"/>
-              <a:t>同一</a:t>
-            </a:r>
-            <a:r>
-              <a:rPr lang="ja-JP" altLang="en-US" sz="3200" dirty="0" smtClean="0"/>
-              <a:t>の制約条件下の変数すべてが穴になっている場合</a:t>
+              <a:t>同一の制約条件下の変数すべてが穴になっている場合</a:t>
             </a:r>
             <a:endParaRPr kumimoji="1" lang="en-US" altLang="ja-JP" sz="3200" dirty="0" smtClean="0"/>
           </a:p>
@@ -12841,15 +14224,7 @@
             </a:pPr>
             <a:r>
               <a:rPr lang="ja-JP" altLang="en-US" sz="3200" dirty="0" smtClean="0"/>
-              <a:t>　 どんな</a:t>
-            </a:r>
-            <a:r>
-              <a:rPr lang="ja-JP" altLang="en-US" sz="3200" dirty="0" smtClean="0"/>
-              <a:t>変数名</a:t>
-            </a:r>
-            <a:r>
-              <a:rPr lang="ja-JP" altLang="en-US" sz="3200" dirty="0" smtClean="0"/>
-              <a:t>を入れて</a:t>
+              <a:t>　 どんな変数名を入れて</a:t>
             </a:r>
             <a:endParaRPr lang="en-US" altLang="ja-JP" sz="3200" dirty="0" smtClean="0"/>
           </a:p>
@@ -12859,11 +14234,7 @@
             </a:pPr>
             <a:r>
               <a:rPr lang="ja-JP" altLang="en-US" sz="3200" dirty="0" smtClean="0"/>
-              <a:t>　</a:t>
-            </a:r>
-            <a:r>
-              <a:rPr lang="ja-JP" altLang="en-US" sz="3200" dirty="0" smtClean="0"/>
-              <a:t> も正解となるはず</a:t>
+              <a:t>　 も正解となるはず</a:t>
             </a:r>
             <a:r>
               <a:rPr lang="en-US" altLang="ja-JP" sz="3200" dirty="0" smtClean="0"/>
@@ -12907,11 +14278,7 @@
             </a:r>
             <a:r>
               <a:rPr lang="ja-JP" altLang="en-US" sz="2800" dirty="0" smtClean="0"/>
-              <a:t>　</a:t>
-            </a:r>
-            <a:r>
-              <a:rPr lang="ja-JP" altLang="en-US" sz="2800" dirty="0" smtClean="0"/>
-              <a:t>　　　　　　　</a:t>
+              <a:t>　　　　　　　　</a:t>
             </a:r>
             <a:r>
               <a:rPr kumimoji="1" lang="ja-JP" altLang="en-US" sz="2800" dirty="0" smtClean="0"/>
@@ -13078,11 +14445,7 @@
             <a:p>
               <a:r>
                 <a:rPr kumimoji="1" lang="en-US" altLang="ja-JP" sz="2000" dirty="0" smtClean="0"/>
-                <a:t> </a:t>
-              </a:r>
-              <a:r>
-                <a:rPr kumimoji="1" lang="en-US" altLang="ja-JP" sz="2000" dirty="0" smtClean="0"/>
-                <a:t> </a:t>
+                <a:t>  </a:t>
               </a:r>
               <a:r>
                 <a:rPr lang="en-US" altLang="ja-JP" sz="2000" dirty="0" err="1" smtClean="0"/>
@@ -13100,7 +14463,6 @@
                 <a:rPr lang="en-US" altLang="ja-JP" sz="2000" dirty="0" smtClean="0"/>
                 <a:t>5;</a:t>
               </a:r>
-              <a:endParaRPr lang="en-US" altLang="ja-JP" sz="2000" dirty="0" smtClean="0"/>
             </a:p>
             <a:p>
               <a:r>
@@ -13119,11 +14481,7 @@
             <a:p>
               <a:r>
                 <a:rPr lang="ja-JP" altLang="en-US" sz="2000" dirty="0" smtClean="0"/>
-                <a:t>　</a:t>
-              </a:r>
-              <a:r>
-                <a:rPr lang="ja-JP" altLang="en-US" sz="2000" dirty="0" smtClean="0"/>
-                <a:t>　</a:t>
+                <a:t>　　</a:t>
               </a:r>
               <a:r>
                 <a:rPr lang="en-US" altLang="ja-JP" sz="2000" dirty="0" smtClean="0"/>
@@ -13133,11 +14491,7 @@
             <a:p>
               <a:r>
                 <a:rPr lang="en-US" altLang="ja-JP" sz="2000" dirty="0" smtClean="0"/>
-                <a:t> </a:t>
-              </a:r>
-              <a:r>
-                <a:rPr lang="en-US" altLang="ja-JP" sz="2000" dirty="0" smtClean="0"/>
-                <a:t>   </a:t>
+                <a:t>    </a:t>
               </a:r>
               <a:r>
                 <a:rPr lang="en-US" altLang="ja-JP" sz="2000" dirty="0" err="1" smtClean="0"/>
@@ -13166,11 +14520,7 @@
             <a:p>
               <a:r>
                 <a:rPr lang="en-US" altLang="ja-JP" sz="2000" dirty="0" smtClean="0"/>
-                <a:t> </a:t>
-              </a:r>
-              <a:r>
-                <a:rPr lang="en-US" altLang="ja-JP" sz="2000" dirty="0" smtClean="0"/>
-                <a:t> return 0;</a:t>
+                <a:t>  return 0;</a:t>
               </a:r>
               <a:r>
                 <a:rPr lang="ja-JP" altLang="en-US" sz="2000" dirty="0" smtClean="0"/>
@@ -13195,9 +14545,9 @@
         </p:nvGrpSpPr>
         <p:grpSpPr>
           <a:xfrm>
-            <a:off x="5857885" y="3143248"/>
+            <a:off x="5857885" y="2643182"/>
             <a:ext cx="3143270" cy="2143139"/>
-            <a:chOff x="5857885" y="3143248"/>
+            <a:chOff x="5857885" y="2643182"/>
             <a:chExt cx="3143270" cy="2143139"/>
           </a:xfrm>
         </p:grpSpPr>
@@ -13209,7 +14559,7 @@
           </p:nvSpPr>
           <p:spPr>
             <a:xfrm>
-              <a:off x="6500826" y="3143248"/>
+              <a:off x="6500826" y="2643182"/>
               <a:ext cx="2500329" cy="1015663"/>
             </a:xfrm>
             <a:prstGeom prst="rect">
@@ -13268,9 +14618,9 @@
             <p:nvPr/>
           </p:nvCxnSpPr>
           <p:spPr>
-            <a:xfrm rot="5400000" flipH="1">
-              <a:off x="6939548" y="3347469"/>
-              <a:ext cx="86969" cy="1535917"/>
+            <a:xfrm rot="5400000">
+              <a:off x="6990799" y="2954559"/>
+              <a:ext cx="55907" cy="1464479"/>
             </a:xfrm>
             <a:prstGeom prst="straightConnector1">
               <a:avLst/>
@@ -13307,7 +14657,7 @@
           </p:nvCxnSpPr>
           <p:spPr>
             <a:xfrm rot="5400000">
-              <a:off x="6383576" y="3633220"/>
+              <a:off x="6383576" y="3133154"/>
               <a:ext cx="841725" cy="1893107"/>
             </a:xfrm>
             <a:prstGeom prst="straightConnector1">
@@ -13345,7 +14695,7 @@
           </p:nvCxnSpPr>
           <p:spPr>
             <a:xfrm rot="5400000">
-              <a:off x="6740766" y="3990410"/>
+              <a:off x="6740766" y="3490344"/>
               <a:ext cx="841725" cy="1178727"/>
             </a:xfrm>
             <a:prstGeom prst="straightConnector1">
@@ -13383,7 +14733,7 @@
           </p:nvCxnSpPr>
           <p:spPr>
             <a:xfrm rot="16200000" flipH="1">
-              <a:off x="7276550" y="4633351"/>
+              <a:off x="7276550" y="4133285"/>
               <a:ext cx="1127477" cy="178595"/>
             </a:xfrm>
             <a:prstGeom prst="straightConnector1">
@@ -13495,7 +14845,7 @@
 </p:sld>
 </file>
 
-<file path=ppt/slides/slide26.xml><?xml version="1.0" encoding="utf-8"?>
+<file path=ppt/slides/slide27.xml><?xml version="1.0" encoding="utf-8"?>
 <p:sld xmlns:a="http://schemas.openxmlformats.org/drawingml/2006/main" xmlns:r="http://schemas.openxmlformats.org/officeDocument/2006/relationships" xmlns:p="http://schemas.openxmlformats.org/presentationml/2006/main">
   <p:cSld>
     <p:spTree>
@@ -14398,7 +15748,7 @@
 </p:sld>
 </file>
 
-<file path=ppt/slides/slide27.xml><?xml version="1.0" encoding="utf-8"?>
+<file path=ppt/slides/slide28.xml><?xml version="1.0" encoding="utf-8"?>
 <p:sld xmlns:a="http://schemas.openxmlformats.org/drawingml/2006/main" xmlns:r="http://schemas.openxmlformats.org/officeDocument/2006/relationships" xmlns:p="http://schemas.openxmlformats.org/presentationml/2006/main">
   <p:cSld>
     <p:spTree>
@@ -14455,22 +15805,14 @@
           <a:p>
             <a:r>
               <a:rPr kumimoji="1" lang="ja-JP" altLang="en-US" sz="3200" dirty="0" smtClean="0"/>
-              <a:t>構文木を根から順に対応付けして</a:t>
-            </a:r>
-            <a:r>
-              <a:rPr kumimoji="1" lang="ja-JP" altLang="en-US" sz="3200" dirty="0" smtClean="0"/>
-              <a:t>いく</a:t>
+              <a:t>構文木を根から順に対応付けしていく</a:t>
             </a:r>
             <a:endParaRPr kumimoji="1" lang="en-US" altLang="ja-JP" sz="3200" dirty="0" smtClean="0"/>
           </a:p>
           <a:p>
             <a:r>
               <a:rPr lang="ja-JP" altLang="en-US" sz="3200" dirty="0" smtClean="0"/>
-              <a:t>そうすること</a:t>
-            </a:r>
-            <a:r>
-              <a:rPr lang="ja-JP" altLang="en-US" sz="3200" dirty="0" smtClean="0"/>
-              <a:t>で構造的差異を見つけだす</a:t>
+              <a:t>そうすることで構造的差異を見つけだす</a:t>
             </a:r>
             <a:endParaRPr kumimoji="1" lang="en-US" altLang="ja-JP" sz="3200" dirty="0" smtClean="0"/>
           </a:p>
@@ -14530,7 +15872,7 @@
 </p:sld>
 </file>
 
-<file path=ppt/slides/slide28.xml><?xml version="1.0" encoding="utf-8"?>
+<file path=ppt/slides/slide29.xml><?xml version="1.0" encoding="utf-8"?>
 <p:sld xmlns:a="http://schemas.openxmlformats.org/drawingml/2006/main" xmlns:r="http://schemas.openxmlformats.org/officeDocument/2006/relationships" xmlns:p="http://schemas.openxmlformats.org/presentationml/2006/main">
   <p:cSld>
     <p:spTree>
@@ -14623,84 +15965,6 @@
             <a:tailEnd/>
           </a:ln>
           <a:effectLst/>
-        </p:spPr>
-      </p:pic>
-    </p:spTree>
-  </p:cSld>
-  <p:clrMapOvr>
-    <a:masterClrMapping/>
-  </p:clrMapOvr>
-  <p:timing>
-    <p:tnLst>
-      <p:par>
-        <p:cTn id="1" dur="indefinite" restart="never" nodeType="tmRoot"/>
-      </p:par>
-    </p:tnLst>
-  </p:timing>
-</p:sld>
-</file>
-
-<file path=ppt/slides/slide29.xml><?xml version="1.0" encoding="utf-8"?>
-<p:sld xmlns:a="http://schemas.openxmlformats.org/drawingml/2006/main" xmlns:r="http://schemas.openxmlformats.org/officeDocument/2006/relationships" xmlns:p="http://schemas.openxmlformats.org/presentationml/2006/main">
-  <p:cSld>
-    <p:spTree>
-      <p:nvGrpSpPr>
-        <p:cNvPr id="1" name=""/>
-        <p:cNvGrpSpPr/>
-        <p:nvPr/>
-      </p:nvGrpSpPr>
-      <p:grpSpPr>
-        <a:xfrm>
-          <a:off x="0" y="0"/>
-          <a:ext cx="0" cy="0"/>
-          <a:chOff x="0" y="0"/>
-          <a:chExt cx="0" cy="0"/>
-        </a:xfrm>
-      </p:grpSpPr>
-      <p:sp>
-        <p:nvSpPr>
-          <p:cNvPr id="2" name="タイトル 1"/>
-          <p:cNvSpPr>
-            <a:spLocks noGrp="1"/>
-          </p:cNvSpPr>
-          <p:nvPr>
-            <p:ph type="title"/>
-          </p:nvPr>
-        </p:nvSpPr>
-        <p:spPr/>
-        <p:txBody>
-          <a:bodyPr/>
-          <a:lstStyle/>
-          <a:p>
-            <a:r>
-              <a:rPr kumimoji="1" lang="ja-JP" altLang="en-US" dirty="0" smtClean="0"/>
-              <a:t>システムの全体像</a:t>
-            </a:r>
-            <a:endParaRPr kumimoji="1" lang="ja-JP" altLang="en-US" dirty="0"/>
-          </a:p>
-        </p:txBody>
-      </p:sp>
-      <p:pic>
-        <p:nvPicPr>
-          <p:cNvPr id="4" name="コンテンツ プレースホルダ 3" descr="system_all.eps"/>
-          <p:cNvPicPr>
-            <a:picLocks noGrp="1" noChangeAspect="1"/>
-          </p:cNvPicPr>
-          <p:nvPr>
-            <p:ph idx="1"/>
-          </p:nvPr>
-        </p:nvPicPr>
-        <p:blipFill>
-          <a:blip r:embed="rId3" cstate="print"/>
-          <a:stretch>
-            <a:fillRect/>
-          </a:stretch>
-        </p:blipFill>
-        <p:spPr>
-          <a:xfrm>
-            <a:off x="285720" y="1928802"/>
-            <a:ext cx="8643998" cy="5214950"/>
-          </a:xfrm>
         </p:spPr>
       </p:pic>
     </p:spTree>
@@ -15002,36 +16266,47 @@
           <a:p>
             <a:r>
               <a:rPr kumimoji="1" lang="ja-JP" altLang="en-US" dirty="0" smtClean="0"/>
-              <a:t>デモ</a:t>
+              <a:t>システムの全体像</a:t>
             </a:r>
             <a:endParaRPr kumimoji="1" lang="ja-JP" altLang="en-US" dirty="0"/>
           </a:p>
         </p:txBody>
       </p:sp>
-      <p:sp>
-        <p:nvSpPr>
-          <p:cNvPr id="3" name="コンテンツ プレースホルダ 2"/>
-          <p:cNvSpPr>
-            <a:spLocks noGrp="1"/>
-          </p:cNvSpPr>
+      <p:pic>
+        <p:nvPicPr>
+          <p:cNvPr id="4" name="コンテンツ プレースホルダ 3" descr="system_all.eps"/>
+          <p:cNvPicPr>
+            <a:picLocks noGrp="1" noChangeAspect="1"/>
+          </p:cNvPicPr>
           <p:nvPr>
             <p:ph idx="1"/>
           </p:nvPr>
-        </p:nvSpPr>
-        <p:spPr/>
-        <p:txBody>
-          <a:bodyPr/>
-          <a:lstStyle/>
-          <a:p>
-            <a:endParaRPr kumimoji="1" lang="ja-JP" altLang="en-US"/>
-          </a:p>
-        </p:txBody>
-      </p:sp>
+        </p:nvPicPr>
+        <p:blipFill>
+          <a:blip r:embed="rId3" cstate="print"/>
+          <a:stretch>
+            <a:fillRect/>
+          </a:stretch>
+        </p:blipFill>
+        <p:spPr>
+          <a:xfrm>
+            <a:off x="285720" y="1928802"/>
+            <a:ext cx="8643998" cy="5214950"/>
+          </a:xfrm>
+        </p:spPr>
+      </p:pic>
     </p:spTree>
   </p:cSld>
   <p:clrMapOvr>
     <a:masterClrMapping/>
   </p:clrMapOvr>
+  <p:timing>
+    <p:tnLst>
+      <p:par>
+        <p:cTn id="1" dur="indefinite" restart="never" nodeType="tmRoot"/>
+      </p:par>
+    </p:tnLst>
+  </p:timing>
 </p:sld>
 </file>
 
@@ -15069,7 +16344,7 @@
           <a:p>
             <a:r>
               <a:rPr kumimoji="1" lang="ja-JP" altLang="en-US" dirty="0" smtClean="0"/>
-              <a:t>まとめと今後の課題</a:t>
+              <a:t>デモ</a:t>
             </a:r>
             <a:endParaRPr kumimoji="1" lang="ja-JP" altLang="en-US" dirty="0"/>
           </a:p>
@@ -15085,74 +16360,25 @@
             <p:ph idx="1"/>
           </p:nvPr>
         </p:nvSpPr>
-        <p:spPr>
-          <a:xfrm>
-            <a:off x="684212" y="1412875"/>
-            <a:ext cx="8102629" cy="4897438"/>
-          </a:xfrm>
-        </p:spPr>
+        <p:spPr/>
         <p:txBody>
           <a:bodyPr/>
           <a:lstStyle/>
           <a:p>
             <a:r>
-              <a:rPr lang="ja-JP" altLang="en-US" sz="3200" dirty="0" smtClean="0"/>
-              <a:t>まとめ</a:t>
-            </a:r>
+              <a:rPr kumimoji="1" lang="ja-JP" altLang="en-US" sz="3200" dirty="0" smtClean="0"/>
+              <a:t>問題の自動生成</a:t>
+            </a:r>
+            <a:endParaRPr kumimoji="1" lang="en-US" altLang="ja-JP" sz="3200" dirty="0" smtClean="0"/>
+          </a:p>
+          <a:p>
             <a:endParaRPr lang="en-US" altLang="ja-JP" sz="3200" dirty="0" smtClean="0"/>
           </a:p>
           <a:p>
-            <a:pPr lvl="1"/>
-            <a:r>
-              <a:rPr lang="ja-JP" altLang="en-US" sz="2800" dirty="0" smtClean="0"/>
-              <a:t>問題生成の軽減を行うため問題の　　　　　　　　自動生成が出来るようになった</a:t>
-            </a:r>
-            <a:endParaRPr lang="en-US" altLang="ja-JP" sz="2800" dirty="0" smtClean="0"/>
-          </a:p>
-          <a:p>
-            <a:pPr lvl="1"/>
-            <a:r>
-              <a:rPr lang="ja-JP" altLang="en-US" sz="2800" dirty="0" smtClean="0"/>
-              <a:t>自動生成をした問題を用いて出題・採点が　　　行えるシステムを構築した</a:t>
-            </a:r>
-            <a:endParaRPr lang="en-US" altLang="ja-JP" sz="2800" dirty="0" smtClean="0"/>
-          </a:p>
-          <a:p>
-            <a:r>
-              <a:rPr lang="ja-JP" altLang="en-US" sz="3200" dirty="0" smtClean="0"/>
-              <a:t>今後の課題</a:t>
-            </a:r>
-            <a:endParaRPr lang="en-US" altLang="ja-JP" sz="3200" dirty="0" smtClean="0"/>
-          </a:p>
-          <a:p>
-            <a:pPr lvl="1"/>
-            <a:r>
-              <a:rPr lang="ja-JP" altLang="en-US" sz="2800" dirty="0" smtClean="0"/>
-              <a:t>自動生成した問題の評価</a:t>
-            </a:r>
-            <a:endParaRPr lang="en-US" altLang="ja-JP" sz="2800" dirty="0" smtClean="0"/>
-          </a:p>
-          <a:p>
-            <a:pPr lvl="1"/>
-            <a:r>
-              <a:rPr lang="ja-JP" altLang="en-US" sz="2800" dirty="0" smtClean="0"/>
-              <a:t>未実装部分の実装</a:t>
-            </a:r>
-            <a:endParaRPr lang="en-US" altLang="ja-JP" sz="2800" dirty="0" smtClean="0"/>
-          </a:p>
-          <a:p>
-            <a:pPr lvl="1"/>
-            <a:r>
-              <a:rPr lang="ja-JP" altLang="en-US" sz="2800" dirty="0" smtClean="0"/>
-              <a:t>システムの有用性の評価を行うための評価実験</a:t>
-            </a:r>
-            <a:endParaRPr lang="en-US" altLang="ja-JP" sz="2800" dirty="0" smtClean="0"/>
-          </a:p>
-          <a:p>
-            <a:pPr lvl="1"/>
-            <a:endParaRPr lang="en-US" altLang="ja-JP" sz="2800" dirty="0" smtClean="0"/>
-          </a:p>
-          <a:p>
+            <a:r>
+              <a:rPr kumimoji="1" lang="ja-JP" altLang="en-US" sz="3200" dirty="0" smtClean="0"/>
+              <a:t>出題</a:t>
+            </a:r>
             <a:endParaRPr kumimoji="1" lang="ja-JP" altLang="en-US" sz="3200" dirty="0"/>
           </a:p>
         </p:txBody>
@@ -15162,6 +16388,13 @@
   <p:clrMapOvr>
     <a:masterClrMapping/>
   </p:clrMapOvr>
+  <p:timing>
+    <p:tnLst>
+      <p:par>
+        <p:cTn id="1" dur="indefinite" restart="never" nodeType="tmRoot"/>
+      </p:par>
+    </p:tnLst>
+  </p:timing>
 </p:sld>
 </file>
 
@@ -15184,6 +16417,151 @@
       </p:grpSpPr>
       <p:sp>
         <p:nvSpPr>
+          <p:cNvPr id="2" name="タイトル 1"/>
+          <p:cNvSpPr>
+            <a:spLocks noGrp="1"/>
+          </p:cNvSpPr>
+          <p:nvPr>
+            <p:ph type="title"/>
+          </p:nvPr>
+        </p:nvSpPr>
+        <p:spPr/>
+        <p:txBody>
+          <a:bodyPr/>
+          <a:lstStyle/>
+          <a:p>
+            <a:r>
+              <a:rPr kumimoji="1" lang="ja-JP" altLang="en-US" dirty="0" smtClean="0"/>
+              <a:t>まとめと今後の課題</a:t>
+            </a:r>
+            <a:endParaRPr kumimoji="1" lang="ja-JP" altLang="en-US" dirty="0"/>
+          </a:p>
+        </p:txBody>
+      </p:sp>
+      <p:sp>
+        <p:nvSpPr>
+          <p:cNvPr id="3" name="コンテンツ プレースホルダ 2"/>
+          <p:cNvSpPr>
+            <a:spLocks noGrp="1"/>
+          </p:cNvSpPr>
+          <p:nvPr>
+            <p:ph idx="1"/>
+          </p:nvPr>
+        </p:nvSpPr>
+        <p:spPr>
+          <a:xfrm>
+            <a:off x="684212" y="1412875"/>
+            <a:ext cx="8102629" cy="4897438"/>
+          </a:xfrm>
+        </p:spPr>
+        <p:txBody>
+          <a:bodyPr/>
+          <a:lstStyle/>
+          <a:p>
+            <a:r>
+              <a:rPr lang="ja-JP" altLang="en-US" sz="3200" dirty="0" smtClean="0"/>
+              <a:t>まとめ</a:t>
+            </a:r>
+            <a:endParaRPr lang="en-US" altLang="ja-JP" sz="3200" dirty="0" smtClean="0"/>
+          </a:p>
+          <a:p>
+            <a:pPr lvl="1"/>
+            <a:r>
+              <a:rPr lang="ja-JP" altLang="en-US" sz="2800" dirty="0" smtClean="0"/>
+              <a:t>問題生成の軽減を行うため問題の　　　　　　　　自動生成が出来るようになった</a:t>
+            </a:r>
+            <a:endParaRPr lang="en-US" altLang="ja-JP" sz="2800" dirty="0" smtClean="0"/>
+          </a:p>
+          <a:p>
+            <a:pPr lvl="1"/>
+            <a:r>
+              <a:rPr lang="ja-JP" altLang="en-US" sz="2800" dirty="0" smtClean="0"/>
+              <a:t>自動生成をした問題を用いて出題・採点が　　　行えるシステムを構築した</a:t>
+            </a:r>
+            <a:endParaRPr lang="en-US" altLang="ja-JP" sz="2800" dirty="0" smtClean="0"/>
+          </a:p>
+          <a:p>
+            <a:r>
+              <a:rPr lang="ja-JP" altLang="en-US" sz="3200" dirty="0" smtClean="0"/>
+              <a:t>今後の課題</a:t>
+            </a:r>
+            <a:endParaRPr lang="en-US" altLang="ja-JP" sz="3200" dirty="0" smtClean="0"/>
+          </a:p>
+          <a:p>
+            <a:pPr lvl="1"/>
+            <a:r>
+              <a:rPr lang="ja-JP" altLang="en-US" sz="2800" dirty="0" smtClean="0"/>
+              <a:t>自動生成した問題の評価</a:t>
+            </a:r>
+            <a:endParaRPr lang="en-US" altLang="ja-JP" sz="2800" dirty="0" smtClean="0"/>
+          </a:p>
+          <a:p>
+            <a:pPr lvl="1"/>
+            <a:r>
+              <a:rPr lang="ja-JP" altLang="en-US" sz="2800" dirty="0" smtClean="0"/>
+              <a:t>未実装部分の</a:t>
+            </a:r>
+            <a:r>
+              <a:rPr lang="ja-JP" altLang="en-US" sz="2800" dirty="0" smtClean="0"/>
+              <a:t>実装（採点部）</a:t>
+            </a:r>
+            <a:endParaRPr lang="en-US" altLang="ja-JP" sz="2800" dirty="0" smtClean="0"/>
+          </a:p>
+          <a:p>
+            <a:pPr lvl="1"/>
+            <a:r>
+              <a:rPr lang="ja-JP" altLang="en-US" sz="2800" dirty="0" smtClean="0"/>
+              <a:t>システムの有用性の評価を行うための評価実験</a:t>
+            </a:r>
+            <a:endParaRPr lang="en-US" altLang="ja-JP" sz="2800" dirty="0" smtClean="0"/>
+          </a:p>
+          <a:p>
+            <a:pPr lvl="1"/>
+            <a:r>
+              <a:rPr lang="ja-JP" altLang="en-US" sz="2800" dirty="0" smtClean="0"/>
+              <a:t>問題作成意図の充実</a:t>
+            </a:r>
+            <a:endParaRPr lang="en-US" altLang="ja-JP" sz="2800" dirty="0" smtClean="0"/>
+          </a:p>
+          <a:p>
+            <a:endParaRPr kumimoji="1" lang="ja-JP" altLang="en-US" sz="3200" dirty="0"/>
+          </a:p>
+        </p:txBody>
+      </p:sp>
+    </p:spTree>
+  </p:cSld>
+  <p:clrMapOvr>
+    <a:masterClrMapping/>
+  </p:clrMapOvr>
+  <p:timing>
+    <p:tnLst>
+      <p:par>
+        <p:cTn id="1" dur="indefinite" restart="never" nodeType="tmRoot"/>
+      </p:par>
+    </p:tnLst>
+  </p:timing>
+</p:sld>
+</file>
+
+<file path=ppt/slides/slide33.xml><?xml version="1.0" encoding="utf-8"?>
+<p:sld xmlns:a="http://schemas.openxmlformats.org/drawingml/2006/main" xmlns:r="http://schemas.openxmlformats.org/officeDocument/2006/relationships" xmlns:p="http://schemas.openxmlformats.org/presentationml/2006/main">
+  <p:cSld>
+    <p:spTree>
+      <p:nvGrpSpPr>
+        <p:cNvPr id="1" name=""/>
+        <p:cNvGrpSpPr/>
+        <p:nvPr/>
+      </p:nvGrpSpPr>
+      <p:grpSpPr>
+        <a:xfrm>
+          <a:off x="0" y="0"/>
+          <a:ext cx="0" cy="0"/>
+          <a:chOff x="0" y="0"/>
+          <a:chExt cx="0" cy="0"/>
+        </a:xfrm>
+      </p:grpSpPr>
+      <p:sp>
+        <p:nvSpPr>
           <p:cNvPr id="5" name="テキスト プレースホルダ 4"/>
           <p:cNvSpPr>
             <a:spLocks noGrp="1"/>
@@ -15215,10 +16593,17 @@
   <p:clrMapOvr>
     <a:masterClrMapping/>
   </p:clrMapOvr>
+  <p:timing>
+    <p:tnLst>
+      <p:par>
+        <p:cTn id="1" dur="indefinite" restart="never" nodeType="tmRoot"/>
+      </p:par>
+    </p:tnLst>
+  </p:timing>
 </p:sld>
 </file>
 
-<file path=ppt/slides/slide33.xml><?xml version="1.0" encoding="utf-8"?>
+<file path=ppt/slides/slide34.xml><?xml version="1.0" encoding="utf-8"?>
 <p:sld xmlns:a="http://schemas.openxmlformats.org/drawingml/2006/main" xmlns:r="http://schemas.openxmlformats.org/officeDocument/2006/relationships" xmlns:p="http://schemas.openxmlformats.org/presentationml/2006/main" show="0">
   <p:cSld>
     <p:spTree>
@@ -15890,7 +17275,7 @@
 </p:sld>
 </file>
 
-<file path=ppt/slides/slide34.xml><?xml version="1.0" encoding="utf-8"?>
+<file path=ppt/slides/slide35.xml><?xml version="1.0" encoding="utf-8"?>
 <p:sld xmlns:a="http://schemas.openxmlformats.org/drawingml/2006/main" xmlns:r="http://schemas.openxmlformats.org/officeDocument/2006/relationships" xmlns:p="http://schemas.openxmlformats.org/presentationml/2006/main" show="0">
   <p:cSld>
     <p:spTree>
@@ -16441,11 +17826,28 @@
           <a:p>
             <a:r>
               <a:rPr kumimoji="1" lang="ja-JP" altLang="en-US" sz="3200" dirty="0" smtClean="0"/>
-              <a:t>学習者に問題を出題し、解かせるという　</a:t>
+              <a:t>学校などでは</a:t>
+            </a:r>
+            <a:r>
+              <a:rPr kumimoji="1" lang="en-US" altLang="ja-JP" sz="3200" dirty="0" smtClean="0"/>
+              <a:t>…</a:t>
+            </a:r>
+          </a:p>
+          <a:p>
+            <a:pPr>
+              <a:buNone/>
+            </a:pPr>
+            <a:r>
+              <a:rPr kumimoji="1" lang="en-US" altLang="ja-JP" sz="3200" dirty="0" smtClean="0"/>
+              <a:t>	</a:t>
             </a:r>
             <a:r>
               <a:rPr kumimoji="1" lang="ja-JP" altLang="en-US" sz="3200" dirty="0" smtClean="0"/>
-              <a:t>演習</a:t>
+              <a:t>学習者</a:t>
+            </a:r>
+            <a:r>
+              <a:rPr kumimoji="1" lang="ja-JP" altLang="en-US" sz="3200" dirty="0" smtClean="0"/>
+              <a:t>に問題を出題し、解かせるという　演習</a:t>
             </a:r>
             <a:r>
               <a:rPr lang="ja-JP" altLang="en-US" sz="3200" dirty="0" smtClean="0"/>
@@ -16453,11 +17855,11 @@
             </a:r>
             <a:r>
               <a:rPr kumimoji="1" lang="ja-JP" altLang="en-US" sz="3200" dirty="0" smtClean="0"/>
-              <a:t>学習</a:t>
+              <a:t>学習が行われて</a:t>
             </a:r>
             <a:r>
               <a:rPr kumimoji="1" lang="ja-JP" altLang="en-US" sz="3200" dirty="0" smtClean="0"/>
-              <a:t>が行われていた</a:t>
+              <a:t>いる</a:t>
             </a:r>
             <a:endParaRPr kumimoji="1" lang="en-US" altLang="ja-JP" sz="3200" dirty="0" smtClean="0"/>
           </a:p>
@@ -16637,7 +18039,23 @@
             <a:pPr lvl="1"/>
             <a:r>
               <a:rPr kumimoji="1" lang="ja-JP" altLang="en-US" sz="2800" dirty="0" smtClean="0"/>
-              <a:t>問題作成者がソースコードを登録するだけでソースコード中の単語を穴にし、穴埋め問題を作成し出題する（</a:t>
+              <a:t>問題作成者がソースコードを登録するだけでソースコード中の単語</a:t>
+            </a:r>
+            <a:r>
+              <a:rPr kumimoji="1" lang="ja-JP" altLang="en-US" sz="2800" dirty="0" smtClean="0"/>
+              <a:t>をランダムに穴</a:t>
+            </a:r>
+            <a:r>
+              <a:rPr kumimoji="1" lang="ja-JP" altLang="en-US" sz="2800" dirty="0" smtClean="0"/>
+              <a:t>にし</a:t>
+            </a:r>
+            <a:r>
+              <a:rPr kumimoji="1" lang="ja-JP" altLang="en-US" sz="2800" dirty="0" smtClean="0"/>
+              <a:t>、　穴埋め</a:t>
+            </a:r>
+            <a:r>
+              <a:rPr kumimoji="1" lang="ja-JP" altLang="en-US" sz="2800" dirty="0" smtClean="0"/>
+              <a:t>問題を作成し出題する（</a:t>
             </a:r>
             <a:r>
               <a:rPr kumimoji="1" lang="en-US" altLang="ja-JP" sz="2800" dirty="0" smtClean="0"/>
@@ -16759,7 +18177,15 @@
             <a:endParaRPr kumimoji="1" lang="en-US" altLang="ja-JP" sz="3200" dirty="0" smtClean="0"/>
           </a:p>
           <a:p>
-            <a:endParaRPr lang="en-US" altLang="ja-JP" sz="3200" dirty="0" smtClean="0"/>
+            <a:pPr lvl="1"/>
+            <a:r>
+              <a:rPr lang="ja-JP" altLang="en-US" sz="2800" dirty="0" smtClean="0"/>
+              <a:t>専用の言語での記述やデータベースへの登録など問題を考えることの上にさらに手間がかかる</a:t>
+            </a:r>
+            <a:endParaRPr lang="en-US" altLang="ja-JP" sz="2800" dirty="0" smtClean="0"/>
+          </a:p>
+          <a:p>
+            <a:endParaRPr lang="en-US" altLang="ja-JP" sz="1050" dirty="0" smtClean="0"/>
           </a:p>
           <a:p>
             <a:r>
@@ -16773,7 +18199,23 @@
             <a:endParaRPr lang="en-US" altLang="ja-JP" sz="3200" dirty="0" smtClean="0"/>
           </a:p>
           <a:p>
-            <a:endParaRPr kumimoji="1" lang="en-US" altLang="ja-JP" sz="3200" dirty="0" smtClean="0"/>
+            <a:pPr lvl="1"/>
+            <a:r>
+              <a:rPr lang="en-US" altLang="ja-JP" sz="2800" dirty="0" err="1" smtClean="0"/>
+              <a:t>JavaDrill</a:t>
+            </a:r>
+            <a:r>
+              <a:rPr lang="ja-JP" altLang="en-US" sz="2800" dirty="0" err="1" smtClean="0"/>
+              <a:t>のように</a:t>
+            </a:r>
+            <a:r>
+              <a:rPr lang="ja-JP" altLang="en-US" sz="2800" dirty="0" smtClean="0"/>
+              <a:t>ランダムで穴をあけると作りたい問題が作れていないことが起きる</a:t>
+            </a:r>
+            <a:endParaRPr kumimoji="1" lang="en-US" altLang="ja-JP" sz="2800" dirty="0" smtClean="0"/>
+          </a:p>
+          <a:p>
+            <a:endParaRPr kumimoji="1" lang="en-US" altLang="ja-JP" sz="1050" dirty="0" smtClean="0"/>
           </a:p>
           <a:p>
             <a:r>
@@ -16783,7 +18225,12 @@
             <a:endParaRPr lang="en-US" altLang="ja-JP" sz="3200" dirty="0" smtClean="0"/>
           </a:p>
           <a:p>
-            <a:endParaRPr kumimoji="1" lang="en-US" altLang="ja-JP" sz="3200" dirty="0" smtClean="0"/>
+            <a:pPr lvl="1"/>
+            <a:r>
+              <a:rPr lang="ja-JP" altLang="en-US" sz="2800" dirty="0" smtClean="0"/>
+              <a:t>決められたルール通りの問題しか出題されず　　学習者の理解度に適した問題は出されない</a:t>
+            </a:r>
+            <a:endParaRPr kumimoji="1" lang="en-US" altLang="ja-JP" sz="2800" dirty="0" smtClean="0"/>
           </a:p>
         </p:txBody>
       </p:sp>
@@ -16836,11 +18283,7 @@
           <a:p>
             <a:r>
               <a:rPr kumimoji="1" lang="ja-JP" altLang="en-US" dirty="0" smtClean="0"/>
-              <a:t>研究の</a:t>
-            </a:r>
-            <a:r>
-              <a:rPr kumimoji="1" lang="ja-JP" altLang="en-US" dirty="0" smtClean="0"/>
-              <a:t>目的</a:t>
+              <a:t>研究の目的</a:t>
             </a:r>
             <a:endParaRPr kumimoji="1" lang="ja-JP" altLang="en-US" dirty="0"/>
           </a:p>
@@ -16969,28 +18412,71 @@
             <p:ph idx="1"/>
           </p:nvPr>
         </p:nvSpPr>
-        <p:spPr/>
+        <p:spPr>
+          <a:xfrm>
+            <a:off x="684212" y="1412875"/>
+            <a:ext cx="8102630" cy="4897438"/>
+          </a:xfrm>
+        </p:spPr>
         <p:txBody>
           <a:bodyPr/>
           <a:lstStyle/>
           <a:p>
             <a:r>
+              <a:rPr lang="ja-JP" altLang="en-US" sz="3200" dirty="0" smtClean="0"/>
+              <a:t>問題作成意図とソースコードを用いて　　　　　問題の</a:t>
+            </a:r>
+            <a:r>
               <a:rPr kumimoji="1" lang="ja-JP" altLang="en-US" sz="3200" dirty="0" smtClean="0"/>
-              <a:t>問題作成者が作りたい問題を手軽に作れるように自動生成できるようにする</a:t>
+              <a:t>自動生成を行う</a:t>
             </a:r>
             <a:endParaRPr kumimoji="1" lang="en-US" altLang="ja-JP" sz="3200" dirty="0" smtClean="0"/>
           </a:p>
           <a:p>
+            <a:endParaRPr kumimoji="1" lang="en-US" altLang="ja-JP" sz="3200" dirty="0" smtClean="0"/>
+          </a:p>
+          <a:p>
             <a:r>
               <a:rPr lang="ja-JP" altLang="en-US" sz="3200" dirty="0" smtClean="0"/>
-              <a:t>出題法を用いて自動出題を行えるようにする</a:t>
+              <a:t>評価法や関連性を用いて理解度に対応した　自動</a:t>
+            </a:r>
+            <a:r>
+              <a:rPr lang="ja-JP" altLang="en-US" sz="3200" dirty="0" smtClean="0"/>
+              <a:t>出題</a:t>
+            </a:r>
+            <a:r>
+              <a:rPr lang="ja-JP" altLang="en-US" sz="3200" dirty="0" smtClean="0"/>
+              <a:t>を行う</a:t>
             </a:r>
             <a:endParaRPr lang="en-US" altLang="ja-JP" sz="3200" dirty="0" smtClean="0"/>
           </a:p>
           <a:p>
+            <a:endParaRPr kumimoji="1" lang="en-US" altLang="ja-JP" sz="3200" dirty="0" smtClean="0"/>
+          </a:p>
+          <a:p>
             <a:r>
               <a:rPr kumimoji="1" lang="ja-JP" altLang="en-US" sz="3200" dirty="0" smtClean="0"/>
-              <a:t>学習者の差異に対応するため構文木を用いて自動採点が出来るようにする</a:t>
+              <a:t>学習者</a:t>
+            </a:r>
+            <a:r>
+              <a:rPr kumimoji="1" lang="ja-JP" altLang="en-US" sz="3200" dirty="0" smtClean="0"/>
+              <a:t>の差異に対応する</a:t>
+            </a:r>
+            <a:r>
+              <a:rPr kumimoji="1" lang="ja-JP" altLang="en-US" sz="3200" dirty="0" smtClean="0"/>
+              <a:t>ため　　　　　　　　構文</a:t>
+            </a:r>
+            <a:r>
+              <a:rPr kumimoji="1" lang="ja-JP" altLang="en-US" sz="3200" dirty="0" smtClean="0"/>
+              <a:t>木</a:t>
+            </a:r>
+            <a:r>
+              <a:rPr kumimoji="1" lang="ja-JP" altLang="en-US" sz="3200" dirty="0" smtClean="0"/>
+              <a:t>を用いた自動採点</a:t>
+            </a:r>
+            <a:r>
+              <a:rPr lang="ja-JP" altLang="en-US" sz="3200" dirty="0" smtClean="0"/>
+              <a:t>を行う</a:t>
             </a:r>
             <a:endParaRPr kumimoji="1" lang="en-US" altLang="ja-JP" sz="3200" dirty="0" smtClean="0"/>
           </a:p>
